--- a/02_資料/アストロロボSASA/AstroRobot.pptx
+++ b/02_資料/アストロロボSASA/AstroRobot.pptx
@@ -7,6 +7,7 @@
   <p:sldIdLst>
     <p:sldId id="256" r:id="rId2"/>
     <p:sldId id="257" r:id="rId3"/>
+    <p:sldId id="258" r:id="rId4"/>
   </p:sldIdLst>
   <p:sldSz cx="12192000" cy="6858000"/>
   <p:notesSz cx="6858000" cy="9144000"/>
@@ -105,6 +106,11 @@
       </a:defRPr>
     </a:lvl9pPr>
   </p:defaultTextStyle>
+  <p:extLst>
+    <p:ext uri="{EFAFB233-063F-42B5-8137-9DF3F51BA10A}">
+      <p15:sldGuideLst xmlns:p15="http://schemas.microsoft.com/office/powerpoint/2012/main"/>
+    </p:ext>
+  </p:extLst>
 </p:presentation>
 </file>
 
@@ -6507,6 +6513,3738 @@
 </p:sld>
 </file>
 
+<file path=ppt/slides/slide3.xml><?xml version="1.0" encoding="utf-8"?>
+<p:sld xmlns:a="http://schemas.openxmlformats.org/drawingml/2006/main" xmlns:r="http://schemas.openxmlformats.org/officeDocument/2006/relationships" xmlns:p="http://schemas.openxmlformats.org/presentationml/2006/main">
+  <p:cSld>
+    <p:spTree>
+      <p:nvGrpSpPr>
+        <p:cNvPr id="1" name=""/>
+        <p:cNvGrpSpPr/>
+        <p:nvPr/>
+      </p:nvGrpSpPr>
+      <p:grpSpPr>
+        <a:xfrm>
+          <a:off x="0" y="0"/>
+          <a:ext cx="0" cy="0"/>
+          <a:chOff x="0" y="0"/>
+          <a:chExt cx="0" cy="0"/>
+        </a:xfrm>
+      </p:grpSpPr>
+      <p:sp>
+        <p:nvSpPr>
+          <p:cNvPr id="4" name="テキスト ボックス 3">
+            <a:extLst>
+              <a:ext uri="{FF2B5EF4-FFF2-40B4-BE49-F238E27FC236}">
+                <a16:creationId xmlns:a16="http://schemas.microsoft.com/office/drawing/2014/main" id="{AD88E230-576D-5146-97E4-DB1A4120B238}"/>
+              </a:ext>
+            </a:extLst>
+          </p:cNvPr>
+          <p:cNvSpPr txBox="1"/>
+          <p:nvPr/>
+        </p:nvSpPr>
+        <p:spPr>
+          <a:xfrm>
+            <a:off x="34457" y="35097"/>
+            <a:ext cx="10467930" cy="830997"/>
+          </a:xfrm>
+          <a:prstGeom prst="rect">
+            <a:avLst/>
+          </a:prstGeom>
+          <a:noFill/>
+        </p:spPr>
+        <p:txBody>
+          <a:bodyPr wrap="none" rtlCol="0">
+            <a:spAutoFit/>
+          </a:bodyPr>
+          <a:lstStyle/>
+          <a:p>
+            <a:r>
+              <a:rPr kumimoji="1" lang="ja-JP" altLang="en-US" sz="4800" dirty="0">
+                <a:ln w="19050">
+                  <a:solidFill>
+                    <a:schemeClr val="tx1"/>
+                  </a:solidFill>
+                </a:ln>
+                <a:solidFill>
+                  <a:schemeClr val="accent3">
+                    <a:lumMod val="60000"/>
+                    <a:lumOff val="40000"/>
+                  </a:schemeClr>
+                </a:solidFill>
+                <a:latin typeface="GN-キルゴUかなO" panose="02000600000000000000" pitchFamily="2" charset="-128"/>
+                <a:ea typeface="GN-キルゴUかなO" panose="02000600000000000000" pitchFamily="2" charset="-128"/>
+              </a:rPr>
+              <a:t>回転</a:t>
+            </a:r>
+            <a:r>
+              <a:rPr kumimoji="1" lang="ja-JP" altLang="en-US" sz="4800" dirty="0">
+                <a:latin typeface="GN-キルゴUかなO" panose="02000600000000000000" pitchFamily="2" charset="-128"/>
+                <a:ea typeface="GN-キルゴUかなO" panose="02000600000000000000" pitchFamily="2" charset="-128"/>
+              </a:rPr>
+              <a:t>しながら様々な方向に</a:t>
+            </a:r>
+            <a:r>
+              <a:rPr kumimoji="1" lang="ja-JP" altLang="en-US" sz="4800" dirty="0">
+                <a:ln w="19050">
+                  <a:solidFill>
+                    <a:schemeClr val="tx1"/>
+                  </a:solidFill>
+                </a:ln>
+                <a:solidFill>
+                  <a:srgbClr val="FF0000"/>
+                </a:solidFill>
+                <a:latin typeface="GN-キルゴUかなO" panose="02000600000000000000" pitchFamily="2" charset="-128"/>
+                <a:ea typeface="GN-キルゴUかなO" panose="02000600000000000000" pitchFamily="2" charset="-128"/>
+              </a:rPr>
+              <a:t>弾を発射</a:t>
+            </a:r>
+            <a:r>
+              <a:rPr lang="en-US" altLang="ja-JP" sz="4800" dirty="0">
+                <a:latin typeface="GN-キルゴUかなO" panose="02000600000000000000" pitchFamily="2" charset="-128"/>
+                <a:ea typeface="GN-キルゴUかなO" panose="02000600000000000000" pitchFamily="2" charset="-128"/>
+              </a:rPr>
+              <a:t>!!</a:t>
+            </a:r>
+            <a:endParaRPr kumimoji="1" lang="ja-JP" altLang="en-US" sz="4800" dirty="0">
+              <a:latin typeface="GN-キルゴUかなO" panose="02000600000000000000" pitchFamily="2" charset="-128"/>
+              <a:ea typeface="GN-キルゴUかなO" panose="02000600000000000000" pitchFamily="2" charset="-128"/>
+            </a:endParaRPr>
+          </a:p>
+        </p:txBody>
+      </p:sp>
+      <p:sp>
+        <p:nvSpPr>
+          <p:cNvPr id="5" name="テキスト ボックス 4">
+            <a:extLst>
+              <a:ext uri="{FF2B5EF4-FFF2-40B4-BE49-F238E27FC236}">
+                <a16:creationId xmlns:a16="http://schemas.microsoft.com/office/drawing/2014/main" id="{0E87A2F0-1B02-5B89-FF5D-032547EEB8B2}"/>
+              </a:ext>
+            </a:extLst>
+          </p:cNvPr>
+          <p:cNvSpPr txBox="1"/>
+          <p:nvPr/>
+        </p:nvSpPr>
+        <p:spPr>
+          <a:xfrm>
+            <a:off x="2189425" y="796647"/>
+            <a:ext cx="10128094" cy="830997"/>
+          </a:xfrm>
+          <a:prstGeom prst="rect">
+            <a:avLst/>
+          </a:prstGeom>
+          <a:noFill/>
+        </p:spPr>
+        <p:txBody>
+          <a:bodyPr wrap="none" rtlCol="0">
+            <a:spAutoFit/>
+          </a:bodyPr>
+          <a:lstStyle/>
+          <a:p>
+            <a:r>
+              <a:rPr lang="ja-JP" altLang="en-US" sz="4800" dirty="0">
+                <a:ln w="19050">
+                  <a:solidFill>
+                    <a:schemeClr val="tx1"/>
+                  </a:solidFill>
+                </a:ln>
+                <a:solidFill>
+                  <a:schemeClr val="accent1">
+                    <a:lumMod val="20000"/>
+                    <a:lumOff val="80000"/>
+                  </a:schemeClr>
+                </a:solidFill>
+                <a:latin typeface="GN-キルゴUかなO" panose="02000600000000000000" pitchFamily="2" charset="-128"/>
+                <a:ea typeface="GN-キルゴUかなO" panose="02000600000000000000" pitchFamily="2" charset="-128"/>
+              </a:rPr>
+              <a:t>フワフワ重力</a:t>
+            </a:r>
+            <a:r>
+              <a:rPr lang="ja-JP" altLang="en-US" sz="4800" dirty="0">
+                <a:latin typeface="GN-キルゴUかなO" panose="02000600000000000000" pitchFamily="2" charset="-128"/>
+                <a:ea typeface="GN-キルゴUかなO" panose="02000600000000000000" pitchFamily="2" charset="-128"/>
+              </a:rPr>
+              <a:t>の中</a:t>
+            </a:r>
+            <a:r>
+              <a:rPr kumimoji="1" lang="ja-JP" altLang="en-US" sz="4800" dirty="0">
+                <a:latin typeface="GN-キルゴUかなO" panose="02000600000000000000" pitchFamily="2" charset="-128"/>
+                <a:ea typeface="GN-キルゴUかなO" panose="02000600000000000000" pitchFamily="2" charset="-128"/>
+              </a:rPr>
+              <a:t>相手を</a:t>
+            </a:r>
+            <a:r>
+              <a:rPr kumimoji="1" lang="ja-JP" altLang="en-US" sz="4800" dirty="0">
+                <a:ln w="19050">
+                  <a:solidFill>
+                    <a:sysClr val="windowText" lastClr="000000"/>
+                  </a:solidFill>
+                </a:ln>
+                <a:solidFill>
+                  <a:srgbClr val="FF0000"/>
+                </a:solidFill>
+                <a:latin typeface="GN-キルゴUかなO" panose="02000600000000000000" pitchFamily="2" charset="-128"/>
+                <a:ea typeface="GN-キルゴUかなO" panose="02000600000000000000" pitchFamily="2" charset="-128"/>
+              </a:rPr>
+              <a:t>吹き飛ばせ</a:t>
+            </a:r>
+            <a:r>
+              <a:rPr kumimoji="1" lang="en-US" altLang="ja-JP" sz="4800" dirty="0">
+                <a:latin typeface="GN-キルゴUかなO" panose="02000600000000000000" pitchFamily="2" charset="-128"/>
+                <a:ea typeface="GN-キルゴUかなO" panose="02000600000000000000" pitchFamily="2" charset="-128"/>
+              </a:rPr>
+              <a:t>!!</a:t>
+            </a:r>
+            <a:endParaRPr kumimoji="1" lang="ja-JP" altLang="en-US" sz="4800" dirty="0">
+              <a:latin typeface="GN-キルゴUかなO" panose="02000600000000000000" pitchFamily="2" charset="-128"/>
+              <a:ea typeface="GN-キルゴUかなO" panose="02000600000000000000" pitchFamily="2" charset="-128"/>
+            </a:endParaRPr>
+          </a:p>
+        </p:txBody>
+      </p:sp>
+      <p:grpSp>
+        <p:nvGrpSpPr>
+          <p:cNvPr id="11" name="グループ化 10">
+            <a:extLst>
+              <a:ext uri="{FF2B5EF4-FFF2-40B4-BE49-F238E27FC236}">
+                <a16:creationId xmlns:a16="http://schemas.microsoft.com/office/drawing/2014/main" id="{51FEFE56-565C-A605-6A08-755E7DC563AF}"/>
+              </a:ext>
+            </a:extLst>
+          </p:cNvPr>
+          <p:cNvGrpSpPr/>
+          <p:nvPr/>
+        </p:nvGrpSpPr>
+        <p:grpSpPr>
+          <a:xfrm rot="1542632">
+            <a:off x="2536573" y="3297012"/>
+            <a:ext cx="774502" cy="830997"/>
+            <a:chOff x="1575407" y="2817455"/>
+            <a:chExt cx="2890684" cy="2884314"/>
+          </a:xfrm>
+        </p:grpSpPr>
+        <p:sp>
+          <p:nvSpPr>
+            <p:cNvPr id="8" name="正方形/長方形 7">
+              <a:extLst>
+                <a:ext uri="{FF2B5EF4-FFF2-40B4-BE49-F238E27FC236}">
+                  <a16:creationId xmlns:a16="http://schemas.microsoft.com/office/drawing/2014/main" id="{25E9BFA5-F697-4592-6817-E29EF704D025}"/>
+                </a:ext>
+              </a:extLst>
+            </p:cNvPr>
+            <p:cNvSpPr/>
+            <p:nvPr/>
+          </p:nvSpPr>
+          <p:spPr>
+            <a:xfrm>
+              <a:off x="2725780" y="4767705"/>
+              <a:ext cx="589935" cy="934064"/>
+            </a:xfrm>
+            <a:prstGeom prst="rect">
+              <a:avLst/>
+            </a:prstGeom>
+            <a:solidFill>
+              <a:schemeClr val="accent1">
+                <a:lumMod val="60000"/>
+                <a:lumOff val="40000"/>
+              </a:schemeClr>
+            </a:solidFill>
+            <a:ln>
+              <a:noFill/>
+            </a:ln>
+          </p:spPr>
+          <p:style>
+            <a:lnRef idx="2">
+              <a:schemeClr val="accent1">
+                <a:shade val="15000"/>
+              </a:schemeClr>
+            </a:lnRef>
+            <a:fillRef idx="1">
+              <a:schemeClr val="accent1"/>
+            </a:fillRef>
+            <a:effectRef idx="0">
+              <a:schemeClr val="accent1"/>
+            </a:effectRef>
+            <a:fontRef idx="minor">
+              <a:schemeClr val="lt1"/>
+            </a:fontRef>
+          </p:style>
+          <p:txBody>
+            <a:bodyPr rtlCol="0" anchor="ctr"/>
+            <a:lstStyle/>
+            <a:p>
+              <a:pPr algn="ctr"/>
+              <a:endParaRPr kumimoji="1" lang="ja-JP" altLang="en-US"/>
+            </a:p>
+          </p:txBody>
+        </p:sp>
+        <p:sp>
+          <p:nvSpPr>
+            <p:cNvPr id="9" name="正方形/長方形 8">
+              <a:extLst>
+                <a:ext uri="{FF2B5EF4-FFF2-40B4-BE49-F238E27FC236}">
+                  <a16:creationId xmlns:a16="http://schemas.microsoft.com/office/drawing/2014/main" id="{91FD701F-0D4F-1625-9484-BAA00007F6D4}"/>
+                </a:ext>
+              </a:extLst>
+            </p:cNvPr>
+            <p:cNvSpPr/>
+            <p:nvPr/>
+          </p:nvSpPr>
+          <p:spPr>
+            <a:xfrm rot="16200000">
+              <a:off x="3704091" y="3792579"/>
+              <a:ext cx="589935" cy="934064"/>
+            </a:xfrm>
+            <a:prstGeom prst="rect">
+              <a:avLst/>
+            </a:prstGeom>
+            <a:solidFill>
+              <a:schemeClr val="accent1">
+                <a:lumMod val="60000"/>
+                <a:lumOff val="40000"/>
+              </a:schemeClr>
+            </a:solidFill>
+            <a:ln>
+              <a:noFill/>
+            </a:ln>
+          </p:spPr>
+          <p:style>
+            <a:lnRef idx="2">
+              <a:schemeClr val="accent1">
+                <a:shade val="15000"/>
+              </a:schemeClr>
+            </a:lnRef>
+            <a:fillRef idx="1">
+              <a:schemeClr val="accent1"/>
+            </a:fillRef>
+            <a:effectRef idx="0">
+              <a:schemeClr val="accent1"/>
+            </a:effectRef>
+            <a:fontRef idx="minor">
+              <a:schemeClr val="lt1"/>
+            </a:fontRef>
+          </p:style>
+          <p:txBody>
+            <a:bodyPr rtlCol="0" anchor="ctr"/>
+            <a:lstStyle/>
+            <a:p>
+              <a:pPr algn="ctr"/>
+              <a:endParaRPr kumimoji="1" lang="ja-JP" altLang="en-US"/>
+            </a:p>
+          </p:txBody>
+        </p:sp>
+        <p:sp>
+          <p:nvSpPr>
+            <p:cNvPr id="10" name="正方形/長方形 9">
+              <a:extLst>
+                <a:ext uri="{FF2B5EF4-FFF2-40B4-BE49-F238E27FC236}">
+                  <a16:creationId xmlns:a16="http://schemas.microsoft.com/office/drawing/2014/main" id="{A9C2E7C9-5910-3A42-DA84-7DA96B62E379}"/>
+                </a:ext>
+              </a:extLst>
+            </p:cNvPr>
+            <p:cNvSpPr/>
+            <p:nvPr/>
+          </p:nvSpPr>
+          <p:spPr>
+            <a:xfrm rot="16200000">
+              <a:off x="1747471" y="3792579"/>
+              <a:ext cx="589935" cy="934064"/>
+            </a:xfrm>
+            <a:prstGeom prst="rect">
+              <a:avLst/>
+            </a:prstGeom>
+            <a:solidFill>
+              <a:schemeClr val="accent1">
+                <a:lumMod val="60000"/>
+                <a:lumOff val="40000"/>
+              </a:schemeClr>
+            </a:solidFill>
+            <a:ln>
+              <a:noFill/>
+            </a:ln>
+          </p:spPr>
+          <p:style>
+            <a:lnRef idx="2">
+              <a:schemeClr val="accent1">
+                <a:shade val="15000"/>
+              </a:schemeClr>
+            </a:lnRef>
+            <a:fillRef idx="1">
+              <a:schemeClr val="accent1"/>
+            </a:fillRef>
+            <a:effectRef idx="0">
+              <a:schemeClr val="accent1"/>
+            </a:effectRef>
+            <a:fontRef idx="minor">
+              <a:schemeClr val="lt1"/>
+            </a:fontRef>
+          </p:style>
+          <p:txBody>
+            <a:bodyPr rtlCol="0" anchor="ctr"/>
+            <a:lstStyle/>
+            <a:p>
+              <a:pPr algn="ctr"/>
+              <a:endParaRPr kumimoji="1" lang="ja-JP" altLang="en-US"/>
+            </a:p>
+          </p:txBody>
+        </p:sp>
+        <p:sp>
+          <p:nvSpPr>
+            <p:cNvPr id="7" name="正方形/長方形 6">
+              <a:extLst>
+                <a:ext uri="{FF2B5EF4-FFF2-40B4-BE49-F238E27FC236}">
+                  <a16:creationId xmlns:a16="http://schemas.microsoft.com/office/drawing/2014/main" id="{2CED9218-0B48-D68F-FA46-77227BE2555A}"/>
+                </a:ext>
+              </a:extLst>
+            </p:cNvPr>
+            <p:cNvSpPr/>
+            <p:nvPr/>
+          </p:nvSpPr>
+          <p:spPr>
+            <a:xfrm>
+              <a:off x="2725780" y="2817455"/>
+              <a:ext cx="589935" cy="934064"/>
+            </a:xfrm>
+            <a:prstGeom prst="rect">
+              <a:avLst/>
+            </a:prstGeom>
+            <a:solidFill>
+              <a:schemeClr val="accent1">
+                <a:lumMod val="60000"/>
+                <a:lumOff val="40000"/>
+              </a:schemeClr>
+            </a:solidFill>
+            <a:ln>
+              <a:noFill/>
+            </a:ln>
+          </p:spPr>
+          <p:style>
+            <a:lnRef idx="2">
+              <a:schemeClr val="accent1">
+                <a:shade val="15000"/>
+              </a:schemeClr>
+            </a:lnRef>
+            <a:fillRef idx="1">
+              <a:schemeClr val="accent1"/>
+            </a:fillRef>
+            <a:effectRef idx="0">
+              <a:schemeClr val="accent1"/>
+            </a:effectRef>
+            <a:fontRef idx="minor">
+              <a:schemeClr val="lt1"/>
+            </a:fontRef>
+          </p:style>
+          <p:txBody>
+            <a:bodyPr rtlCol="0" anchor="ctr"/>
+            <a:lstStyle/>
+            <a:p>
+              <a:pPr algn="ctr"/>
+              <a:endParaRPr kumimoji="1" lang="ja-JP" altLang="en-US"/>
+            </a:p>
+          </p:txBody>
+        </p:sp>
+        <p:sp>
+          <p:nvSpPr>
+            <p:cNvPr id="6" name="楕円 5">
+              <a:extLst>
+                <a:ext uri="{FF2B5EF4-FFF2-40B4-BE49-F238E27FC236}">
+                  <a16:creationId xmlns:a16="http://schemas.microsoft.com/office/drawing/2014/main" id="{6B12C647-26EE-866A-EDC5-F802A2548673}"/>
+                </a:ext>
+              </a:extLst>
+            </p:cNvPr>
+            <p:cNvSpPr/>
+            <p:nvPr/>
+          </p:nvSpPr>
+          <p:spPr>
+            <a:xfrm>
+              <a:off x="2300748" y="3539612"/>
+              <a:ext cx="1440000" cy="1440000"/>
+            </a:xfrm>
+            <a:prstGeom prst="ellipse">
+              <a:avLst/>
+            </a:prstGeom>
+            <a:solidFill>
+              <a:schemeClr val="accent1">
+                <a:lumMod val="40000"/>
+                <a:lumOff val="60000"/>
+              </a:schemeClr>
+            </a:solidFill>
+            <a:ln>
+              <a:noFill/>
+            </a:ln>
+          </p:spPr>
+          <p:style>
+            <a:lnRef idx="2">
+              <a:schemeClr val="accent1">
+                <a:shade val="15000"/>
+              </a:schemeClr>
+            </a:lnRef>
+            <a:fillRef idx="1">
+              <a:schemeClr val="accent1"/>
+            </a:fillRef>
+            <a:effectRef idx="0">
+              <a:schemeClr val="accent1"/>
+            </a:effectRef>
+            <a:fontRef idx="minor">
+              <a:schemeClr val="lt1"/>
+            </a:fontRef>
+          </p:style>
+          <p:txBody>
+            <a:bodyPr rtlCol="0" anchor="ctr"/>
+            <a:lstStyle/>
+            <a:p>
+              <a:pPr algn="ctr"/>
+              <a:endParaRPr kumimoji="1" lang="ja-JP" altLang="en-US"/>
+            </a:p>
+          </p:txBody>
+        </p:sp>
+      </p:grpSp>
+      <p:cxnSp>
+        <p:nvCxnSpPr>
+          <p:cNvPr id="15" name="直線コネクタ 14">
+            <a:extLst>
+              <a:ext uri="{FF2B5EF4-FFF2-40B4-BE49-F238E27FC236}">
+                <a16:creationId xmlns:a16="http://schemas.microsoft.com/office/drawing/2014/main" id="{13F8AEA8-9FD2-B2E9-7535-95C51FC2EAF5}"/>
+              </a:ext>
+            </a:extLst>
+          </p:cNvPr>
+          <p:cNvCxnSpPr>
+            <a:cxnSpLocks/>
+          </p:cNvCxnSpPr>
+          <p:nvPr/>
+        </p:nvCxnSpPr>
+        <p:spPr>
+          <a:xfrm flipV="1">
+            <a:off x="527165" y="1698604"/>
+            <a:ext cx="604174" cy="1224685"/>
+          </a:xfrm>
+          <a:prstGeom prst="line">
+            <a:avLst/>
+          </a:prstGeom>
+        </p:spPr>
+        <p:style>
+          <a:lnRef idx="2">
+            <a:schemeClr val="accent1"/>
+          </a:lnRef>
+          <a:fillRef idx="0">
+            <a:schemeClr val="accent1"/>
+          </a:fillRef>
+          <a:effectRef idx="1">
+            <a:schemeClr val="accent1"/>
+          </a:effectRef>
+          <a:fontRef idx="minor">
+            <a:schemeClr val="tx1"/>
+          </a:fontRef>
+        </p:style>
+      </p:cxnSp>
+      <p:cxnSp>
+        <p:nvCxnSpPr>
+          <p:cNvPr id="16" name="直線コネクタ 15">
+            <a:extLst>
+              <a:ext uri="{FF2B5EF4-FFF2-40B4-BE49-F238E27FC236}">
+                <a16:creationId xmlns:a16="http://schemas.microsoft.com/office/drawing/2014/main" id="{F6494C7C-9D1F-C265-8AE3-162E4FF4ECC7}"/>
+              </a:ext>
+            </a:extLst>
+          </p:cNvPr>
+          <p:cNvCxnSpPr>
+            <a:cxnSpLocks/>
+          </p:cNvCxnSpPr>
+          <p:nvPr/>
+        </p:nvCxnSpPr>
+        <p:spPr>
+          <a:xfrm>
+            <a:off x="1132856" y="1709424"/>
+            <a:ext cx="3391321" cy="327264"/>
+          </a:xfrm>
+          <a:prstGeom prst="line">
+            <a:avLst/>
+          </a:prstGeom>
+        </p:spPr>
+        <p:style>
+          <a:lnRef idx="2">
+            <a:schemeClr val="accent1"/>
+          </a:lnRef>
+          <a:fillRef idx="0">
+            <a:schemeClr val="accent1"/>
+          </a:fillRef>
+          <a:effectRef idx="1">
+            <a:schemeClr val="accent1"/>
+          </a:effectRef>
+          <a:fontRef idx="minor">
+            <a:schemeClr val="tx1"/>
+          </a:fontRef>
+        </p:style>
+      </p:cxnSp>
+      <p:cxnSp>
+        <p:nvCxnSpPr>
+          <p:cNvPr id="18" name="直線コネクタ 17">
+            <a:extLst>
+              <a:ext uri="{FF2B5EF4-FFF2-40B4-BE49-F238E27FC236}">
+                <a16:creationId xmlns:a16="http://schemas.microsoft.com/office/drawing/2014/main" id="{ED71DD0F-EA9A-0D56-1D79-8DEAB399BA1D}"/>
+              </a:ext>
+            </a:extLst>
+          </p:cNvPr>
+          <p:cNvCxnSpPr>
+            <a:cxnSpLocks/>
+          </p:cNvCxnSpPr>
+          <p:nvPr/>
+        </p:nvCxnSpPr>
+        <p:spPr>
+          <a:xfrm>
+            <a:off x="4535197" y="2020097"/>
+            <a:ext cx="419004" cy="1133461"/>
+          </a:xfrm>
+          <a:prstGeom prst="line">
+            <a:avLst/>
+          </a:prstGeom>
+        </p:spPr>
+        <p:style>
+          <a:lnRef idx="2">
+            <a:schemeClr val="accent1"/>
+          </a:lnRef>
+          <a:fillRef idx="0">
+            <a:schemeClr val="accent1"/>
+          </a:fillRef>
+          <a:effectRef idx="1">
+            <a:schemeClr val="accent1"/>
+          </a:effectRef>
+          <a:fontRef idx="minor">
+            <a:schemeClr val="tx1"/>
+          </a:fontRef>
+        </p:style>
+      </p:cxnSp>
+      <p:cxnSp>
+        <p:nvCxnSpPr>
+          <p:cNvPr id="20" name="直線コネクタ 19">
+            <a:extLst>
+              <a:ext uri="{FF2B5EF4-FFF2-40B4-BE49-F238E27FC236}">
+                <a16:creationId xmlns:a16="http://schemas.microsoft.com/office/drawing/2014/main" id="{FC721743-2251-C7DD-4319-0426B3E5CC6F}"/>
+              </a:ext>
+            </a:extLst>
+          </p:cNvPr>
+          <p:cNvCxnSpPr>
+            <a:cxnSpLocks/>
+          </p:cNvCxnSpPr>
+          <p:nvPr/>
+        </p:nvCxnSpPr>
+        <p:spPr>
+          <a:xfrm>
+            <a:off x="519461" y="2934109"/>
+            <a:ext cx="7704" cy="978297"/>
+          </a:xfrm>
+          <a:prstGeom prst="line">
+            <a:avLst/>
+          </a:prstGeom>
+        </p:spPr>
+        <p:style>
+          <a:lnRef idx="2">
+            <a:schemeClr val="accent1"/>
+          </a:lnRef>
+          <a:fillRef idx="0">
+            <a:schemeClr val="accent1"/>
+          </a:fillRef>
+          <a:effectRef idx="1">
+            <a:schemeClr val="accent1"/>
+          </a:effectRef>
+          <a:fontRef idx="minor">
+            <a:schemeClr val="tx1"/>
+          </a:fontRef>
+        </p:style>
+      </p:cxnSp>
+      <p:cxnSp>
+        <p:nvCxnSpPr>
+          <p:cNvPr id="21" name="直線コネクタ 20">
+            <a:extLst>
+              <a:ext uri="{FF2B5EF4-FFF2-40B4-BE49-F238E27FC236}">
+                <a16:creationId xmlns:a16="http://schemas.microsoft.com/office/drawing/2014/main" id="{3D638ABF-96E7-7280-C7AA-1317ED318F71}"/>
+              </a:ext>
+            </a:extLst>
+          </p:cNvPr>
+          <p:cNvCxnSpPr>
+            <a:cxnSpLocks/>
+          </p:cNvCxnSpPr>
+          <p:nvPr/>
+        </p:nvCxnSpPr>
+        <p:spPr>
+          <a:xfrm>
+            <a:off x="530559" y="3899689"/>
+            <a:ext cx="1249470" cy="729885"/>
+          </a:xfrm>
+          <a:prstGeom prst="line">
+            <a:avLst/>
+          </a:prstGeom>
+        </p:spPr>
+        <p:style>
+          <a:lnRef idx="2">
+            <a:schemeClr val="accent1"/>
+          </a:lnRef>
+          <a:fillRef idx="0">
+            <a:schemeClr val="accent1"/>
+          </a:fillRef>
+          <a:effectRef idx="1">
+            <a:schemeClr val="accent1"/>
+          </a:effectRef>
+          <a:fontRef idx="minor">
+            <a:schemeClr val="tx1"/>
+          </a:fontRef>
+        </p:style>
+      </p:cxnSp>
+      <p:cxnSp>
+        <p:nvCxnSpPr>
+          <p:cNvPr id="26" name="直線コネクタ 25">
+            <a:extLst>
+              <a:ext uri="{FF2B5EF4-FFF2-40B4-BE49-F238E27FC236}">
+                <a16:creationId xmlns:a16="http://schemas.microsoft.com/office/drawing/2014/main" id="{6AC10F8B-504F-D6A8-5AD6-55EC1FAF31C9}"/>
+              </a:ext>
+            </a:extLst>
+          </p:cNvPr>
+          <p:cNvCxnSpPr>
+            <a:cxnSpLocks/>
+          </p:cNvCxnSpPr>
+          <p:nvPr/>
+        </p:nvCxnSpPr>
+        <p:spPr>
+          <a:xfrm flipH="1">
+            <a:off x="1155294" y="4625212"/>
+            <a:ext cx="613968" cy="869610"/>
+          </a:xfrm>
+          <a:prstGeom prst="line">
+            <a:avLst/>
+          </a:prstGeom>
+        </p:spPr>
+        <p:style>
+          <a:lnRef idx="2">
+            <a:schemeClr val="accent1"/>
+          </a:lnRef>
+          <a:fillRef idx="0">
+            <a:schemeClr val="accent1"/>
+          </a:fillRef>
+          <a:effectRef idx="1">
+            <a:schemeClr val="accent1"/>
+          </a:effectRef>
+          <a:fontRef idx="minor">
+            <a:schemeClr val="tx1"/>
+          </a:fontRef>
+        </p:style>
+      </p:cxnSp>
+      <p:cxnSp>
+        <p:nvCxnSpPr>
+          <p:cNvPr id="28" name="直線コネクタ 27">
+            <a:extLst>
+              <a:ext uri="{FF2B5EF4-FFF2-40B4-BE49-F238E27FC236}">
+                <a16:creationId xmlns:a16="http://schemas.microsoft.com/office/drawing/2014/main" id="{9029CC31-F471-C228-3040-29D34A7E47E0}"/>
+              </a:ext>
+            </a:extLst>
+          </p:cNvPr>
+          <p:cNvCxnSpPr>
+            <a:cxnSpLocks/>
+          </p:cNvCxnSpPr>
+          <p:nvPr/>
+        </p:nvCxnSpPr>
+        <p:spPr>
+          <a:xfrm flipH="1">
+            <a:off x="3445007" y="3153558"/>
+            <a:ext cx="1509194" cy="3041496"/>
+          </a:xfrm>
+          <a:prstGeom prst="line">
+            <a:avLst/>
+          </a:prstGeom>
+        </p:spPr>
+        <p:style>
+          <a:lnRef idx="2">
+            <a:schemeClr val="accent1"/>
+          </a:lnRef>
+          <a:fillRef idx="0">
+            <a:schemeClr val="accent1"/>
+          </a:fillRef>
+          <a:effectRef idx="1">
+            <a:schemeClr val="accent1"/>
+          </a:effectRef>
+          <a:fontRef idx="minor">
+            <a:schemeClr val="tx1"/>
+          </a:fontRef>
+        </p:style>
+      </p:cxnSp>
+      <p:grpSp>
+        <p:nvGrpSpPr>
+          <p:cNvPr id="45" name="グループ化 44">
+            <a:extLst>
+              <a:ext uri="{FF2B5EF4-FFF2-40B4-BE49-F238E27FC236}">
+                <a16:creationId xmlns:a16="http://schemas.microsoft.com/office/drawing/2014/main" id="{8F36E63D-BE27-D882-CAAE-018D97F2F094}"/>
+              </a:ext>
+            </a:extLst>
+          </p:cNvPr>
+          <p:cNvGrpSpPr/>
+          <p:nvPr/>
+        </p:nvGrpSpPr>
+        <p:grpSpPr>
+          <a:xfrm>
+            <a:off x="984477" y="1896051"/>
+            <a:ext cx="1178601" cy="1010292"/>
+            <a:chOff x="5746015" y="4307561"/>
+            <a:chExt cx="1178601" cy="1010292"/>
+          </a:xfrm>
+        </p:grpSpPr>
+        <p:sp>
+          <p:nvSpPr>
+            <p:cNvPr id="31" name="太陽 30">
+              <a:extLst>
+                <a:ext uri="{FF2B5EF4-FFF2-40B4-BE49-F238E27FC236}">
+                  <a16:creationId xmlns:a16="http://schemas.microsoft.com/office/drawing/2014/main" id="{6E72A5FA-63AF-236D-1D74-6537F96AA6FE}"/>
+                </a:ext>
+              </a:extLst>
+            </p:cNvPr>
+            <p:cNvSpPr/>
+            <p:nvPr/>
+          </p:nvSpPr>
+          <p:spPr>
+            <a:xfrm>
+              <a:off x="5746015" y="4307561"/>
+              <a:ext cx="1178601" cy="1010292"/>
+            </a:xfrm>
+            <a:prstGeom prst="sun">
+              <a:avLst/>
+            </a:prstGeom>
+            <a:solidFill>
+              <a:schemeClr val="accent1">
+                <a:lumMod val="50000"/>
+              </a:schemeClr>
+            </a:solidFill>
+            <a:ln>
+              <a:noFill/>
+            </a:ln>
+          </p:spPr>
+          <p:style>
+            <a:lnRef idx="2">
+              <a:schemeClr val="accent1">
+                <a:shade val="15000"/>
+              </a:schemeClr>
+            </a:lnRef>
+            <a:fillRef idx="1">
+              <a:schemeClr val="accent1"/>
+            </a:fillRef>
+            <a:effectRef idx="0">
+              <a:schemeClr val="accent1"/>
+            </a:effectRef>
+            <a:fontRef idx="minor">
+              <a:schemeClr val="lt1"/>
+            </a:fontRef>
+          </p:style>
+          <p:txBody>
+            <a:bodyPr rtlCol="0" anchor="ctr"/>
+            <a:lstStyle/>
+            <a:p>
+              <a:pPr algn="ctr"/>
+              <a:endParaRPr kumimoji="1" lang="ja-JP" altLang="en-US"/>
+            </a:p>
+          </p:txBody>
+        </p:sp>
+        <p:sp>
+          <p:nvSpPr>
+            <p:cNvPr id="32" name="円: 塗りつぶしなし 31">
+              <a:extLst>
+                <a:ext uri="{FF2B5EF4-FFF2-40B4-BE49-F238E27FC236}">
+                  <a16:creationId xmlns:a16="http://schemas.microsoft.com/office/drawing/2014/main" id="{7076AD15-A73F-6004-C2B1-5C37D9C8AF4F}"/>
+                </a:ext>
+              </a:extLst>
+            </p:cNvPr>
+            <p:cNvSpPr/>
+            <p:nvPr/>
+          </p:nvSpPr>
+          <p:spPr>
+            <a:xfrm>
+              <a:off x="5875183" y="4409100"/>
+              <a:ext cx="914400" cy="825620"/>
+            </a:xfrm>
+            <a:prstGeom prst="donut">
+              <a:avLst>
+                <a:gd name="adj" fmla="val 8080"/>
+              </a:avLst>
+            </a:prstGeom>
+            <a:solidFill>
+              <a:schemeClr val="accent1">
+                <a:lumMod val="50000"/>
+              </a:schemeClr>
+            </a:solidFill>
+            <a:ln>
+              <a:noFill/>
+            </a:ln>
+          </p:spPr>
+          <p:style>
+            <a:lnRef idx="2">
+              <a:schemeClr val="accent1">
+                <a:shade val="15000"/>
+              </a:schemeClr>
+            </a:lnRef>
+            <a:fillRef idx="1">
+              <a:schemeClr val="accent1"/>
+            </a:fillRef>
+            <a:effectRef idx="0">
+              <a:schemeClr val="accent1"/>
+            </a:effectRef>
+            <a:fontRef idx="minor">
+              <a:schemeClr val="lt1"/>
+            </a:fontRef>
+          </p:style>
+          <p:txBody>
+            <a:bodyPr rtlCol="0" anchor="ctr"/>
+            <a:lstStyle/>
+            <a:p>
+              <a:pPr algn="ctr"/>
+              <a:endParaRPr kumimoji="1" lang="ja-JP" altLang="en-US">
+                <a:solidFill>
+                  <a:schemeClr val="tx1"/>
+                </a:solidFill>
+              </a:endParaRPr>
+            </a:p>
+          </p:txBody>
+        </p:sp>
+      </p:grpSp>
+      <p:sp>
+        <p:nvSpPr>
+          <p:cNvPr id="37" name="矢印: 下 36">
+            <a:extLst>
+              <a:ext uri="{FF2B5EF4-FFF2-40B4-BE49-F238E27FC236}">
+                <a16:creationId xmlns:a16="http://schemas.microsoft.com/office/drawing/2014/main" id="{9AAEE1D3-2034-08E6-3A6B-967C19D54CF8}"/>
+              </a:ext>
+            </a:extLst>
+          </p:cNvPr>
+          <p:cNvSpPr/>
+          <p:nvPr/>
+        </p:nvSpPr>
+        <p:spPr>
+          <a:xfrm rot="18006832">
+            <a:off x="5132421" y="3402689"/>
+            <a:ext cx="1052564" cy="1989198"/>
+          </a:xfrm>
+          <a:prstGeom prst="downArrow">
+            <a:avLst/>
+          </a:prstGeom>
+          <a:gradFill>
+            <a:gsLst>
+              <a:gs pos="0">
+                <a:schemeClr val="accent1">
+                  <a:lumMod val="20000"/>
+                  <a:lumOff val="80000"/>
+                  <a:alpha val="70000"/>
+                </a:schemeClr>
+              </a:gs>
+              <a:gs pos="100000">
+                <a:schemeClr val="accent1">
+                  <a:lumMod val="60000"/>
+                  <a:lumOff val="40000"/>
+                </a:schemeClr>
+              </a:gs>
+            </a:gsLst>
+            <a:lin ang="5400000" scaled="1"/>
+          </a:gradFill>
+          <a:ln>
+            <a:noFill/>
+          </a:ln>
+        </p:spPr>
+        <p:style>
+          <a:lnRef idx="2">
+            <a:schemeClr val="accent1">
+              <a:shade val="15000"/>
+            </a:schemeClr>
+          </a:lnRef>
+          <a:fillRef idx="1">
+            <a:schemeClr val="accent1"/>
+          </a:fillRef>
+          <a:effectRef idx="0">
+            <a:schemeClr val="accent1"/>
+          </a:effectRef>
+          <a:fontRef idx="minor">
+            <a:schemeClr val="lt1"/>
+          </a:fontRef>
+        </p:style>
+        <p:txBody>
+          <a:bodyPr rtlCol="0" anchor="ctr"/>
+          <a:lstStyle/>
+          <a:p>
+            <a:pPr algn="ctr"/>
+            <a:endParaRPr kumimoji="1" lang="ja-JP" altLang="en-US"/>
+          </a:p>
+        </p:txBody>
+      </p:sp>
+      <p:sp>
+        <p:nvSpPr>
+          <p:cNvPr id="39" name="楕円 38">
+            <a:extLst>
+              <a:ext uri="{FF2B5EF4-FFF2-40B4-BE49-F238E27FC236}">
+                <a16:creationId xmlns:a16="http://schemas.microsoft.com/office/drawing/2014/main" id="{CCDA6E87-E8C0-D043-D1CD-4DBD1A16AFFC}"/>
+              </a:ext>
+            </a:extLst>
+          </p:cNvPr>
+          <p:cNvSpPr/>
+          <p:nvPr/>
+        </p:nvSpPr>
+        <p:spPr>
+          <a:xfrm>
+            <a:off x="1877793" y="3146051"/>
+            <a:ext cx="216000" cy="216000"/>
+          </a:xfrm>
+          <a:prstGeom prst="ellipse">
+            <a:avLst/>
+          </a:prstGeom>
+          <a:solidFill>
+            <a:schemeClr val="accent1">
+              <a:lumMod val="60000"/>
+              <a:lumOff val="40000"/>
+            </a:schemeClr>
+          </a:solidFill>
+          <a:ln>
+            <a:noFill/>
+          </a:ln>
+        </p:spPr>
+        <p:style>
+          <a:lnRef idx="2">
+            <a:schemeClr val="accent1">
+              <a:shade val="15000"/>
+            </a:schemeClr>
+          </a:lnRef>
+          <a:fillRef idx="1">
+            <a:schemeClr val="accent1"/>
+          </a:fillRef>
+          <a:effectRef idx="0">
+            <a:schemeClr val="accent1"/>
+          </a:effectRef>
+          <a:fontRef idx="minor">
+            <a:schemeClr val="lt1"/>
+          </a:fontRef>
+        </p:style>
+        <p:txBody>
+          <a:bodyPr rtlCol="0" anchor="ctr"/>
+          <a:lstStyle/>
+          <a:p>
+            <a:pPr algn="ctr"/>
+            <a:endParaRPr kumimoji="1" lang="ja-JP" altLang="en-US"/>
+          </a:p>
+        </p:txBody>
+      </p:sp>
+      <p:cxnSp>
+        <p:nvCxnSpPr>
+          <p:cNvPr id="42" name="直線コネクタ 41">
+            <a:extLst>
+              <a:ext uri="{FF2B5EF4-FFF2-40B4-BE49-F238E27FC236}">
+                <a16:creationId xmlns:a16="http://schemas.microsoft.com/office/drawing/2014/main" id="{A3F33259-2FD0-F965-267F-6AEC7CD6AEAE}"/>
+              </a:ext>
+            </a:extLst>
+          </p:cNvPr>
+          <p:cNvCxnSpPr>
+            <a:cxnSpLocks/>
+          </p:cNvCxnSpPr>
+          <p:nvPr/>
+        </p:nvCxnSpPr>
+        <p:spPr>
+          <a:xfrm flipH="1" flipV="1">
+            <a:off x="2221845" y="3301804"/>
+            <a:ext cx="310123" cy="166137"/>
+          </a:xfrm>
+          <a:prstGeom prst="line">
+            <a:avLst/>
+          </a:prstGeom>
+          <a:ln>
+            <a:solidFill>
+              <a:schemeClr val="tx1"/>
+            </a:solidFill>
+          </a:ln>
+        </p:spPr>
+        <p:style>
+          <a:lnRef idx="2">
+            <a:schemeClr val="accent1"/>
+          </a:lnRef>
+          <a:fillRef idx="0">
+            <a:schemeClr val="accent1"/>
+          </a:fillRef>
+          <a:effectRef idx="1">
+            <a:schemeClr val="accent1"/>
+          </a:effectRef>
+          <a:fontRef idx="minor">
+            <a:schemeClr val="tx1"/>
+          </a:fontRef>
+        </p:style>
+      </p:cxnSp>
+      <p:cxnSp>
+        <p:nvCxnSpPr>
+          <p:cNvPr id="50" name="直線コネクタ 49">
+            <a:extLst>
+              <a:ext uri="{FF2B5EF4-FFF2-40B4-BE49-F238E27FC236}">
+                <a16:creationId xmlns:a16="http://schemas.microsoft.com/office/drawing/2014/main" id="{6BD9B8EF-83D6-B785-9651-AD7DC8FA0F8B}"/>
+              </a:ext>
+            </a:extLst>
+          </p:cNvPr>
+          <p:cNvCxnSpPr>
+            <a:cxnSpLocks/>
+          </p:cNvCxnSpPr>
+          <p:nvPr/>
+        </p:nvCxnSpPr>
+        <p:spPr>
+          <a:xfrm flipH="1" flipV="1">
+            <a:off x="2127772" y="3311061"/>
+            <a:ext cx="310123" cy="166137"/>
+          </a:xfrm>
+          <a:prstGeom prst="line">
+            <a:avLst/>
+          </a:prstGeom>
+          <a:ln>
+            <a:solidFill>
+              <a:schemeClr val="tx1"/>
+            </a:solidFill>
+          </a:ln>
+        </p:spPr>
+        <p:style>
+          <a:lnRef idx="2">
+            <a:schemeClr val="accent1"/>
+          </a:lnRef>
+          <a:fillRef idx="0">
+            <a:schemeClr val="accent1"/>
+          </a:fillRef>
+          <a:effectRef idx="1">
+            <a:schemeClr val="accent1"/>
+          </a:effectRef>
+          <a:fontRef idx="minor">
+            <a:schemeClr val="tx1"/>
+          </a:fontRef>
+        </p:style>
+      </p:cxnSp>
+      <p:cxnSp>
+        <p:nvCxnSpPr>
+          <p:cNvPr id="51" name="直線コネクタ 50">
+            <a:extLst>
+              <a:ext uri="{FF2B5EF4-FFF2-40B4-BE49-F238E27FC236}">
+                <a16:creationId xmlns:a16="http://schemas.microsoft.com/office/drawing/2014/main" id="{6D0126AB-7167-DD18-8029-C4C06CDE9370}"/>
+              </a:ext>
+            </a:extLst>
+          </p:cNvPr>
+          <p:cNvCxnSpPr>
+            <a:cxnSpLocks/>
+          </p:cNvCxnSpPr>
+          <p:nvPr/>
+        </p:nvCxnSpPr>
+        <p:spPr>
+          <a:xfrm flipH="1" flipV="1">
+            <a:off x="2166933" y="3396517"/>
+            <a:ext cx="310123" cy="166137"/>
+          </a:xfrm>
+          <a:prstGeom prst="line">
+            <a:avLst/>
+          </a:prstGeom>
+          <a:ln>
+            <a:solidFill>
+              <a:schemeClr val="tx1"/>
+            </a:solidFill>
+          </a:ln>
+        </p:spPr>
+        <p:style>
+          <a:lnRef idx="2">
+            <a:schemeClr val="accent1"/>
+          </a:lnRef>
+          <a:fillRef idx="0">
+            <a:schemeClr val="accent1"/>
+          </a:fillRef>
+          <a:effectRef idx="1">
+            <a:schemeClr val="accent1"/>
+          </a:effectRef>
+          <a:fontRef idx="minor">
+            <a:schemeClr val="tx1"/>
+          </a:fontRef>
+        </p:style>
+      </p:cxnSp>
+      <p:cxnSp>
+        <p:nvCxnSpPr>
+          <p:cNvPr id="12" name="直線コネクタ 11">
+            <a:extLst>
+              <a:ext uri="{FF2B5EF4-FFF2-40B4-BE49-F238E27FC236}">
+                <a16:creationId xmlns:a16="http://schemas.microsoft.com/office/drawing/2014/main" id="{DDBEEB2A-A13D-F188-4464-73200353F641}"/>
+              </a:ext>
+            </a:extLst>
+          </p:cNvPr>
+          <p:cNvCxnSpPr>
+            <a:cxnSpLocks/>
+          </p:cNvCxnSpPr>
+          <p:nvPr/>
+        </p:nvCxnSpPr>
+        <p:spPr>
+          <a:xfrm flipV="1">
+            <a:off x="3947774" y="1296365"/>
+            <a:ext cx="3731068" cy="5773822"/>
+          </a:xfrm>
+          <a:prstGeom prst="line">
+            <a:avLst/>
+          </a:prstGeom>
+          <a:ln w="76200">
+            <a:solidFill>
+              <a:schemeClr val="tx1"/>
+            </a:solidFill>
+          </a:ln>
+        </p:spPr>
+        <p:style>
+          <a:lnRef idx="2">
+            <a:schemeClr val="accent1"/>
+          </a:lnRef>
+          <a:fillRef idx="0">
+            <a:schemeClr val="accent1"/>
+          </a:fillRef>
+          <a:effectRef idx="1">
+            <a:schemeClr val="accent1"/>
+          </a:effectRef>
+          <a:fontRef idx="minor">
+            <a:schemeClr val="tx1"/>
+          </a:fontRef>
+        </p:style>
+      </p:cxnSp>
+      <p:cxnSp>
+        <p:nvCxnSpPr>
+          <p:cNvPr id="33" name="直線コネクタ 32">
+            <a:extLst>
+              <a:ext uri="{FF2B5EF4-FFF2-40B4-BE49-F238E27FC236}">
+                <a16:creationId xmlns:a16="http://schemas.microsoft.com/office/drawing/2014/main" id="{10444D15-CD94-DA2A-AE2E-AFB13972E91A}"/>
+              </a:ext>
+            </a:extLst>
+          </p:cNvPr>
+          <p:cNvCxnSpPr>
+            <a:cxnSpLocks/>
+          </p:cNvCxnSpPr>
+          <p:nvPr/>
+        </p:nvCxnSpPr>
+        <p:spPr>
+          <a:xfrm flipV="1">
+            <a:off x="1908889" y="6195054"/>
+            <a:ext cx="1547693" cy="188499"/>
+          </a:xfrm>
+          <a:prstGeom prst="line">
+            <a:avLst/>
+          </a:prstGeom>
+        </p:spPr>
+        <p:style>
+          <a:lnRef idx="2">
+            <a:schemeClr val="accent1"/>
+          </a:lnRef>
+          <a:fillRef idx="0">
+            <a:schemeClr val="accent1"/>
+          </a:fillRef>
+          <a:effectRef idx="1">
+            <a:schemeClr val="accent1"/>
+          </a:effectRef>
+          <a:fontRef idx="minor">
+            <a:schemeClr val="tx1"/>
+          </a:fontRef>
+        </p:style>
+      </p:cxnSp>
+      <p:cxnSp>
+        <p:nvCxnSpPr>
+          <p:cNvPr id="41" name="直線コネクタ 40">
+            <a:extLst>
+              <a:ext uri="{FF2B5EF4-FFF2-40B4-BE49-F238E27FC236}">
+                <a16:creationId xmlns:a16="http://schemas.microsoft.com/office/drawing/2014/main" id="{03169A1D-4557-2D61-E197-D43F1408ECC7}"/>
+              </a:ext>
+            </a:extLst>
+          </p:cNvPr>
+          <p:cNvCxnSpPr>
+            <a:cxnSpLocks/>
+          </p:cNvCxnSpPr>
+          <p:nvPr/>
+        </p:nvCxnSpPr>
+        <p:spPr>
+          <a:xfrm>
+            <a:off x="1147797" y="5509710"/>
+            <a:ext cx="761092" cy="873843"/>
+          </a:xfrm>
+          <a:prstGeom prst="line">
+            <a:avLst/>
+          </a:prstGeom>
+        </p:spPr>
+        <p:style>
+          <a:lnRef idx="2">
+            <a:schemeClr val="accent1"/>
+          </a:lnRef>
+          <a:fillRef idx="0">
+            <a:schemeClr val="accent1"/>
+          </a:fillRef>
+          <a:effectRef idx="1">
+            <a:schemeClr val="accent1"/>
+          </a:effectRef>
+          <a:fontRef idx="minor">
+            <a:schemeClr val="tx1"/>
+          </a:fontRef>
+        </p:style>
+      </p:cxnSp>
+      <p:grpSp>
+        <p:nvGrpSpPr>
+          <p:cNvPr id="53" name="グループ化 52">
+            <a:extLst>
+              <a:ext uri="{FF2B5EF4-FFF2-40B4-BE49-F238E27FC236}">
+                <a16:creationId xmlns:a16="http://schemas.microsoft.com/office/drawing/2014/main" id="{61664072-BADF-9E16-3D86-1CD9967A0F6F}"/>
+              </a:ext>
+            </a:extLst>
+          </p:cNvPr>
+          <p:cNvGrpSpPr/>
+          <p:nvPr/>
+        </p:nvGrpSpPr>
+        <p:grpSpPr>
+          <a:xfrm rot="7605989">
+            <a:off x="2982744" y="2881856"/>
+            <a:ext cx="774502" cy="830997"/>
+            <a:chOff x="1575407" y="2817455"/>
+            <a:chExt cx="2890684" cy="2884314"/>
+          </a:xfrm>
+        </p:grpSpPr>
+        <p:sp>
+          <p:nvSpPr>
+            <p:cNvPr id="54" name="正方形/長方形 53">
+              <a:extLst>
+                <a:ext uri="{FF2B5EF4-FFF2-40B4-BE49-F238E27FC236}">
+                  <a16:creationId xmlns:a16="http://schemas.microsoft.com/office/drawing/2014/main" id="{56C8681B-626C-B99E-A0AD-5644B92F579B}"/>
+                </a:ext>
+              </a:extLst>
+            </p:cNvPr>
+            <p:cNvSpPr/>
+            <p:nvPr/>
+          </p:nvSpPr>
+          <p:spPr>
+            <a:xfrm>
+              <a:off x="2725780" y="4767705"/>
+              <a:ext cx="589935" cy="934064"/>
+            </a:xfrm>
+            <a:prstGeom prst="rect">
+              <a:avLst/>
+            </a:prstGeom>
+            <a:solidFill>
+              <a:schemeClr val="accent2">
+                <a:lumMod val="60000"/>
+                <a:lumOff val="40000"/>
+              </a:schemeClr>
+            </a:solidFill>
+            <a:ln>
+              <a:noFill/>
+            </a:ln>
+          </p:spPr>
+          <p:style>
+            <a:lnRef idx="2">
+              <a:schemeClr val="accent1">
+                <a:shade val="15000"/>
+              </a:schemeClr>
+            </a:lnRef>
+            <a:fillRef idx="1">
+              <a:schemeClr val="accent1"/>
+            </a:fillRef>
+            <a:effectRef idx="0">
+              <a:schemeClr val="accent1"/>
+            </a:effectRef>
+            <a:fontRef idx="minor">
+              <a:schemeClr val="lt1"/>
+            </a:fontRef>
+          </p:style>
+          <p:txBody>
+            <a:bodyPr rtlCol="0" anchor="ctr"/>
+            <a:lstStyle/>
+            <a:p>
+              <a:pPr algn="ctr"/>
+              <a:endParaRPr kumimoji="1" lang="ja-JP" altLang="en-US"/>
+            </a:p>
+          </p:txBody>
+        </p:sp>
+        <p:sp>
+          <p:nvSpPr>
+            <p:cNvPr id="55" name="正方形/長方形 54">
+              <a:extLst>
+                <a:ext uri="{FF2B5EF4-FFF2-40B4-BE49-F238E27FC236}">
+                  <a16:creationId xmlns:a16="http://schemas.microsoft.com/office/drawing/2014/main" id="{54753863-4203-C02F-3EE4-B7462CBBD2F9}"/>
+                </a:ext>
+              </a:extLst>
+            </p:cNvPr>
+            <p:cNvSpPr/>
+            <p:nvPr/>
+          </p:nvSpPr>
+          <p:spPr>
+            <a:xfrm rot="16200000">
+              <a:off x="3704091" y="3792579"/>
+              <a:ext cx="589935" cy="934064"/>
+            </a:xfrm>
+            <a:prstGeom prst="rect">
+              <a:avLst/>
+            </a:prstGeom>
+            <a:solidFill>
+              <a:schemeClr val="accent2">
+                <a:lumMod val="60000"/>
+                <a:lumOff val="40000"/>
+              </a:schemeClr>
+            </a:solidFill>
+            <a:ln>
+              <a:noFill/>
+            </a:ln>
+          </p:spPr>
+          <p:style>
+            <a:lnRef idx="2">
+              <a:schemeClr val="accent1">
+                <a:shade val="15000"/>
+              </a:schemeClr>
+            </a:lnRef>
+            <a:fillRef idx="1">
+              <a:schemeClr val="accent1"/>
+            </a:fillRef>
+            <a:effectRef idx="0">
+              <a:schemeClr val="accent1"/>
+            </a:effectRef>
+            <a:fontRef idx="minor">
+              <a:schemeClr val="lt1"/>
+            </a:fontRef>
+          </p:style>
+          <p:txBody>
+            <a:bodyPr rtlCol="0" anchor="ctr"/>
+            <a:lstStyle/>
+            <a:p>
+              <a:pPr algn="ctr"/>
+              <a:endParaRPr kumimoji="1" lang="ja-JP" altLang="en-US"/>
+            </a:p>
+          </p:txBody>
+        </p:sp>
+        <p:sp>
+          <p:nvSpPr>
+            <p:cNvPr id="56" name="正方形/長方形 55">
+              <a:extLst>
+                <a:ext uri="{FF2B5EF4-FFF2-40B4-BE49-F238E27FC236}">
+                  <a16:creationId xmlns:a16="http://schemas.microsoft.com/office/drawing/2014/main" id="{C91B5D39-1CC7-EA7B-985D-754A56BACCBC}"/>
+                </a:ext>
+              </a:extLst>
+            </p:cNvPr>
+            <p:cNvSpPr/>
+            <p:nvPr/>
+          </p:nvSpPr>
+          <p:spPr>
+            <a:xfrm rot="16200000">
+              <a:off x="1747471" y="3792579"/>
+              <a:ext cx="589935" cy="934064"/>
+            </a:xfrm>
+            <a:prstGeom prst="rect">
+              <a:avLst/>
+            </a:prstGeom>
+            <a:solidFill>
+              <a:schemeClr val="accent2">
+                <a:lumMod val="60000"/>
+                <a:lumOff val="40000"/>
+              </a:schemeClr>
+            </a:solidFill>
+            <a:ln>
+              <a:noFill/>
+            </a:ln>
+          </p:spPr>
+          <p:style>
+            <a:lnRef idx="2">
+              <a:schemeClr val="accent1">
+                <a:shade val="15000"/>
+              </a:schemeClr>
+            </a:lnRef>
+            <a:fillRef idx="1">
+              <a:schemeClr val="accent1"/>
+            </a:fillRef>
+            <a:effectRef idx="0">
+              <a:schemeClr val="accent1"/>
+            </a:effectRef>
+            <a:fontRef idx="minor">
+              <a:schemeClr val="lt1"/>
+            </a:fontRef>
+          </p:style>
+          <p:txBody>
+            <a:bodyPr rtlCol="0" anchor="ctr"/>
+            <a:lstStyle/>
+            <a:p>
+              <a:pPr algn="ctr"/>
+              <a:endParaRPr kumimoji="1" lang="ja-JP" altLang="en-US"/>
+            </a:p>
+          </p:txBody>
+        </p:sp>
+        <p:sp>
+          <p:nvSpPr>
+            <p:cNvPr id="57" name="正方形/長方形 56">
+              <a:extLst>
+                <a:ext uri="{FF2B5EF4-FFF2-40B4-BE49-F238E27FC236}">
+                  <a16:creationId xmlns:a16="http://schemas.microsoft.com/office/drawing/2014/main" id="{104E0D13-69C6-E926-A30E-E310797D5CA1}"/>
+                </a:ext>
+              </a:extLst>
+            </p:cNvPr>
+            <p:cNvSpPr/>
+            <p:nvPr/>
+          </p:nvSpPr>
+          <p:spPr>
+            <a:xfrm>
+              <a:off x="2725780" y="2817455"/>
+              <a:ext cx="589935" cy="934064"/>
+            </a:xfrm>
+            <a:prstGeom prst="rect">
+              <a:avLst/>
+            </a:prstGeom>
+            <a:solidFill>
+              <a:schemeClr val="accent2">
+                <a:lumMod val="60000"/>
+                <a:lumOff val="40000"/>
+              </a:schemeClr>
+            </a:solidFill>
+            <a:ln>
+              <a:noFill/>
+            </a:ln>
+          </p:spPr>
+          <p:style>
+            <a:lnRef idx="2">
+              <a:schemeClr val="accent1">
+                <a:shade val="15000"/>
+              </a:schemeClr>
+            </a:lnRef>
+            <a:fillRef idx="1">
+              <a:schemeClr val="accent1"/>
+            </a:fillRef>
+            <a:effectRef idx="0">
+              <a:schemeClr val="accent1"/>
+            </a:effectRef>
+            <a:fontRef idx="minor">
+              <a:schemeClr val="lt1"/>
+            </a:fontRef>
+          </p:style>
+          <p:txBody>
+            <a:bodyPr rtlCol="0" anchor="ctr"/>
+            <a:lstStyle/>
+            <a:p>
+              <a:pPr algn="ctr"/>
+              <a:endParaRPr kumimoji="1" lang="ja-JP" altLang="en-US"/>
+            </a:p>
+          </p:txBody>
+        </p:sp>
+        <p:sp>
+          <p:nvSpPr>
+            <p:cNvPr id="58" name="楕円 57">
+              <a:extLst>
+                <a:ext uri="{FF2B5EF4-FFF2-40B4-BE49-F238E27FC236}">
+                  <a16:creationId xmlns:a16="http://schemas.microsoft.com/office/drawing/2014/main" id="{0AA97453-DD16-F42E-BFA3-F8DE8A804BFA}"/>
+                </a:ext>
+              </a:extLst>
+            </p:cNvPr>
+            <p:cNvSpPr/>
+            <p:nvPr/>
+          </p:nvSpPr>
+          <p:spPr>
+            <a:xfrm>
+              <a:off x="2300748" y="3539612"/>
+              <a:ext cx="1440000" cy="1440000"/>
+            </a:xfrm>
+            <a:prstGeom prst="ellipse">
+              <a:avLst/>
+            </a:prstGeom>
+            <a:solidFill>
+              <a:schemeClr val="accent2">
+                <a:lumMod val="20000"/>
+                <a:lumOff val="80000"/>
+              </a:schemeClr>
+            </a:solidFill>
+            <a:ln>
+              <a:noFill/>
+            </a:ln>
+          </p:spPr>
+          <p:style>
+            <a:lnRef idx="2">
+              <a:schemeClr val="accent1">
+                <a:shade val="15000"/>
+              </a:schemeClr>
+            </a:lnRef>
+            <a:fillRef idx="1">
+              <a:schemeClr val="accent1"/>
+            </a:fillRef>
+            <a:effectRef idx="0">
+              <a:schemeClr val="accent1"/>
+            </a:effectRef>
+            <a:fontRef idx="minor">
+              <a:schemeClr val="lt1"/>
+            </a:fontRef>
+          </p:style>
+          <p:txBody>
+            <a:bodyPr rtlCol="0" anchor="ctr"/>
+            <a:lstStyle/>
+            <a:p>
+              <a:pPr algn="ctr"/>
+              <a:endParaRPr kumimoji="1" lang="ja-JP" altLang="en-US"/>
+            </a:p>
+          </p:txBody>
+        </p:sp>
+      </p:grpSp>
+      <p:sp>
+        <p:nvSpPr>
+          <p:cNvPr id="59" name="楕円 58">
+            <a:extLst>
+              <a:ext uri="{FF2B5EF4-FFF2-40B4-BE49-F238E27FC236}">
+                <a16:creationId xmlns:a16="http://schemas.microsoft.com/office/drawing/2014/main" id="{E4EF0E25-4BE9-233A-D121-3BEE2C59D38D}"/>
+              </a:ext>
+            </a:extLst>
+          </p:cNvPr>
+          <p:cNvSpPr/>
+          <p:nvPr/>
+        </p:nvSpPr>
+        <p:spPr>
+          <a:xfrm rot="5661890">
+            <a:off x="3898254" y="2376635"/>
+            <a:ext cx="216000" cy="216000"/>
+          </a:xfrm>
+          <a:prstGeom prst="ellipse">
+            <a:avLst/>
+          </a:prstGeom>
+          <a:solidFill>
+            <a:schemeClr val="accent2">
+              <a:lumMod val="60000"/>
+              <a:lumOff val="40000"/>
+            </a:schemeClr>
+          </a:solidFill>
+          <a:ln>
+            <a:noFill/>
+          </a:ln>
+        </p:spPr>
+        <p:style>
+          <a:lnRef idx="2">
+            <a:schemeClr val="accent1">
+              <a:shade val="15000"/>
+            </a:schemeClr>
+          </a:lnRef>
+          <a:fillRef idx="1">
+            <a:schemeClr val="accent1"/>
+          </a:fillRef>
+          <a:effectRef idx="0">
+            <a:schemeClr val="accent1"/>
+          </a:effectRef>
+          <a:fontRef idx="minor">
+            <a:schemeClr val="lt1"/>
+          </a:fontRef>
+        </p:style>
+        <p:txBody>
+          <a:bodyPr rtlCol="0" anchor="ctr"/>
+          <a:lstStyle/>
+          <a:p>
+            <a:pPr algn="ctr"/>
+            <a:endParaRPr kumimoji="1" lang="ja-JP" altLang="en-US"/>
+          </a:p>
+        </p:txBody>
+      </p:sp>
+      <p:cxnSp>
+        <p:nvCxnSpPr>
+          <p:cNvPr id="60" name="直線コネクタ 59">
+            <a:extLst>
+              <a:ext uri="{FF2B5EF4-FFF2-40B4-BE49-F238E27FC236}">
+                <a16:creationId xmlns:a16="http://schemas.microsoft.com/office/drawing/2014/main" id="{ED4E5F6C-00B1-B073-8FD8-7790D44A80EB}"/>
+              </a:ext>
+            </a:extLst>
+          </p:cNvPr>
+          <p:cNvCxnSpPr>
+            <a:cxnSpLocks/>
+          </p:cNvCxnSpPr>
+          <p:nvPr/>
+        </p:nvCxnSpPr>
+        <p:spPr>
+          <a:xfrm rot="5661890" flipH="1" flipV="1">
+            <a:off x="3628552" y="2643095"/>
+            <a:ext cx="310123" cy="166137"/>
+          </a:xfrm>
+          <a:prstGeom prst="line">
+            <a:avLst/>
+          </a:prstGeom>
+          <a:ln>
+            <a:solidFill>
+              <a:schemeClr val="tx1"/>
+            </a:solidFill>
+          </a:ln>
+        </p:spPr>
+        <p:style>
+          <a:lnRef idx="2">
+            <a:schemeClr val="accent1"/>
+          </a:lnRef>
+          <a:fillRef idx="0">
+            <a:schemeClr val="accent1"/>
+          </a:fillRef>
+          <a:effectRef idx="1">
+            <a:schemeClr val="accent1"/>
+          </a:effectRef>
+          <a:fontRef idx="minor">
+            <a:schemeClr val="tx1"/>
+          </a:fontRef>
+        </p:style>
+      </p:cxnSp>
+      <p:cxnSp>
+        <p:nvCxnSpPr>
+          <p:cNvPr id="61" name="直線コネクタ 60">
+            <a:extLst>
+              <a:ext uri="{FF2B5EF4-FFF2-40B4-BE49-F238E27FC236}">
+                <a16:creationId xmlns:a16="http://schemas.microsoft.com/office/drawing/2014/main" id="{753ABE78-BBB9-A9CC-83B0-A00EDD3DB44C}"/>
+              </a:ext>
+            </a:extLst>
+          </p:cNvPr>
+          <p:cNvCxnSpPr>
+            <a:cxnSpLocks/>
+          </p:cNvCxnSpPr>
+          <p:nvPr/>
+        </p:nvCxnSpPr>
+        <p:spPr>
+          <a:xfrm rot="5661890" flipH="1" flipV="1">
+            <a:off x="3534479" y="2652352"/>
+            <a:ext cx="310123" cy="166137"/>
+          </a:xfrm>
+          <a:prstGeom prst="line">
+            <a:avLst/>
+          </a:prstGeom>
+          <a:ln>
+            <a:solidFill>
+              <a:schemeClr val="tx1"/>
+            </a:solidFill>
+          </a:ln>
+        </p:spPr>
+        <p:style>
+          <a:lnRef idx="2">
+            <a:schemeClr val="accent1"/>
+          </a:lnRef>
+          <a:fillRef idx="0">
+            <a:schemeClr val="accent1"/>
+          </a:fillRef>
+          <a:effectRef idx="1">
+            <a:schemeClr val="accent1"/>
+          </a:effectRef>
+          <a:fontRef idx="minor">
+            <a:schemeClr val="tx1"/>
+          </a:fontRef>
+        </p:style>
+      </p:cxnSp>
+      <p:cxnSp>
+        <p:nvCxnSpPr>
+          <p:cNvPr id="62" name="直線コネクタ 61">
+            <a:extLst>
+              <a:ext uri="{FF2B5EF4-FFF2-40B4-BE49-F238E27FC236}">
+                <a16:creationId xmlns:a16="http://schemas.microsoft.com/office/drawing/2014/main" id="{E56E414C-1550-E9DE-8B9A-BFE9515E1063}"/>
+              </a:ext>
+            </a:extLst>
+          </p:cNvPr>
+          <p:cNvCxnSpPr>
+            <a:cxnSpLocks/>
+          </p:cNvCxnSpPr>
+          <p:nvPr/>
+        </p:nvCxnSpPr>
+        <p:spPr>
+          <a:xfrm rot="5661890" flipH="1" flipV="1">
+            <a:off x="3640657" y="2767781"/>
+            <a:ext cx="310123" cy="166137"/>
+          </a:xfrm>
+          <a:prstGeom prst="line">
+            <a:avLst/>
+          </a:prstGeom>
+          <a:ln>
+            <a:solidFill>
+              <a:schemeClr val="tx1"/>
+            </a:solidFill>
+          </a:ln>
+        </p:spPr>
+        <p:style>
+          <a:lnRef idx="2">
+            <a:schemeClr val="accent1"/>
+          </a:lnRef>
+          <a:fillRef idx="0">
+            <a:schemeClr val="accent1"/>
+          </a:fillRef>
+          <a:effectRef idx="1">
+            <a:schemeClr val="accent1"/>
+          </a:effectRef>
+          <a:fontRef idx="minor">
+            <a:schemeClr val="tx1"/>
+          </a:fontRef>
+        </p:style>
+      </p:cxnSp>
+      <p:sp>
+        <p:nvSpPr>
+          <p:cNvPr id="70" name="星: 12 pt 69">
+            <a:extLst>
+              <a:ext uri="{FF2B5EF4-FFF2-40B4-BE49-F238E27FC236}">
+                <a16:creationId xmlns:a16="http://schemas.microsoft.com/office/drawing/2014/main" id="{3C433A99-D636-2EBD-D97A-51173E6F68B1}"/>
+              </a:ext>
+            </a:extLst>
+          </p:cNvPr>
+          <p:cNvSpPr/>
+          <p:nvPr/>
+        </p:nvSpPr>
+        <p:spPr>
+          <a:xfrm rot="1249977">
+            <a:off x="2881312" y="3167047"/>
+            <a:ext cx="570214" cy="580969"/>
+          </a:xfrm>
+          <a:prstGeom prst="star12">
+            <a:avLst/>
+          </a:prstGeom>
+          <a:solidFill>
+            <a:srgbClr val="FFC000"/>
+          </a:solidFill>
+          <a:ln w="38100">
+            <a:solidFill>
+              <a:srgbClr val="FF0000"/>
+            </a:solidFill>
+          </a:ln>
+        </p:spPr>
+        <p:style>
+          <a:lnRef idx="2">
+            <a:schemeClr val="accent1">
+              <a:shade val="15000"/>
+            </a:schemeClr>
+          </a:lnRef>
+          <a:fillRef idx="1">
+            <a:schemeClr val="accent1"/>
+          </a:fillRef>
+          <a:effectRef idx="0">
+            <a:schemeClr val="accent1"/>
+          </a:effectRef>
+          <a:fontRef idx="minor">
+            <a:schemeClr val="lt1"/>
+          </a:fontRef>
+        </p:style>
+        <p:txBody>
+          <a:bodyPr rtlCol="0" anchor="ctr"/>
+          <a:lstStyle/>
+          <a:p>
+            <a:pPr algn="ctr"/>
+            <a:endParaRPr kumimoji="1" lang="ja-JP" altLang="en-US">
+              <a:solidFill>
+                <a:schemeClr val="accent2"/>
+              </a:solidFill>
+            </a:endParaRPr>
+          </a:p>
+        </p:txBody>
+      </p:sp>
+      <p:grpSp>
+        <p:nvGrpSpPr>
+          <p:cNvPr id="71" name="グループ化 70">
+            <a:extLst>
+              <a:ext uri="{FF2B5EF4-FFF2-40B4-BE49-F238E27FC236}">
+                <a16:creationId xmlns:a16="http://schemas.microsoft.com/office/drawing/2014/main" id="{4928BBDA-A4EC-486F-7428-BAA864DAD48F}"/>
+              </a:ext>
+            </a:extLst>
+          </p:cNvPr>
+          <p:cNvGrpSpPr/>
+          <p:nvPr/>
+        </p:nvGrpSpPr>
+        <p:grpSpPr>
+          <a:xfrm rot="1542632">
+            <a:off x="8380502" y="4864877"/>
+            <a:ext cx="774502" cy="830997"/>
+            <a:chOff x="1575407" y="2817455"/>
+            <a:chExt cx="2890684" cy="2884314"/>
+          </a:xfrm>
+        </p:grpSpPr>
+        <p:sp>
+          <p:nvSpPr>
+            <p:cNvPr id="72" name="正方形/長方形 71">
+              <a:extLst>
+                <a:ext uri="{FF2B5EF4-FFF2-40B4-BE49-F238E27FC236}">
+                  <a16:creationId xmlns:a16="http://schemas.microsoft.com/office/drawing/2014/main" id="{FA5AA5D6-811B-2B66-02B1-7D2A3B76473D}"/>
+                </a:ext>
+              </a:extLst>
+            </p:cNvPr>
+            <p:cNvSpPr/>
+            <p:nvPr/>
+          </p:nvSpPr>
+          <p:spPr>
+            <a:xfrm>
+              <a:off x="2725780" y="4767705"/>
+              <a:ext cx="589935" cy="934064"/>
+            </a:xfrm>
+            <a:prstGeom prst="rect">
+              <a:avLst/>
+            </a:prstGeom>
+            <a:solidFill>
+              <a:schemeClr val="accent1">
+                <a:lumMod val="60000"/>
+                <a:lumOff val="40000"/>
+              </a:schemeClr>
+            </a:solidFill>
+            <a:ln>
+              <a:noFill/>
+            </a:ln>
+          </p:spPr>
+          <p:style>
+            <a:lnRef idx="2">
+              <a:schemeClr val="accent1">
+                <a:shade val="15000"/>
+              </a:schemeClr>
+            </a:lnRef>
+            <a:fillRef idx="1">
+              <a:schemeClr val="accent1"/>
+            </a:fillRef>
+            <a:effectRef idx="0">
+              <a:schemeClr val="accent1"/>
+            </a:effectRef>
+            <a:fontRef idx="minor">
+              <a:schemeClr val="lt1"/>
+            </a:fontRef>
+          </p:style>
+          <p:txBody>
+            <a:bodyPr rtlCol="0" anchor="ctr"/>
+            <a:lstStyle/>
+            <a:p>
+              <a:pPr algn="ctr"/>
+              <a:endParaRPr kumimoji="1" lang="ja-JP" altLang="en-US"/>
+            </a:p>
+          </p:txBody>
+        </p:sp>
+        <p:sp>
+          <p:nvSpPr>
+            <p:cNvPr id="73" name="正方形/長方形 72">
+              <a:extLst>
+                <a:ext uri="{FF2B5EF4-FFF2-40B4-BE49-F238E27FC236}">
+                  <a16:creationId xmlns:a16="http://schemas.microsoft.com/office/drawing/2014/main" id="{8951BB4F-DC09-26EA-345E-00E110297875}"/>
+                </a:ext>
+              </a:extLst>
+            </p:cNvPr>
+            <p:cNvSpPr/>
+            <p:nvPr/>
+          </p:nvSpPr>
+          <p:spPr>
+            <a:xfrm rot="16200000">
+              <a:off x="3704091" y="3792579"/>
+              <a:ext cx="589935" cy="934064"/>
+            </a:xfrm>
+            <a:prstGeom prst="rect">
+              <a:avLst/>
+            </a:prstGeom>
+            <a:solidFill>
+              <a:schemeClr val="accent1">
+                <a:lumMod val="60000"/>
+                <a:lumOff val="40000"/>
+              </a:schemeClr>
+            </a:solidFill>
+            <a:ln>
+              <a:noFill/>
+            </a:ln>
+          </p:spPr>
+          <p:style>
+            <a:lnRef idx="2">
+              <a:schemeClr val="accent1">
+                <a:shade val="15000"/>
+              </a:schemeClr>
+            </a:lnRef>
+            <a:fillRef idx="1">
+              <a:schemeClr val="accent1"/>
+            </a:fillRef>
+            <a:effectRef idx="0">
+              <a:schemeClr val="accent1"/>
+            </a:effectRef>
+            <a:fontRef idx="minor">
+              <a:schemeClr val="lt1"/>
+            </a:fontRef>
+          </p:style>
+          <p:txBody>
+            <a:bodyPr rtlCol="0" anchor="ctr"/>
+            <a:lstStyle/>
+            <a:p>
+              <a:pPr algn="ctr"/>
+              <a:endParaRPr kumimoji="1" lang="ja-JP" altLang="en-US"/>
+            </a:p>
+          </p:txBody>
+        </p:sp>
+        <p:sp>
+          <p:nvSpPr>
+            <p:cNvPr id="74" name="正方形/長方形 73">
+              <a:extLst>
+                <a:ext uri="{FF2B5EF4-FFF2-40B4-BE49-F238E27FC236}">
+                  <a16:creationId xmlns:a16="http://schemas.microsoft.com/office/drawing/2014/main" id="{55C184DF-1FAF-C79F-1E63-DD1082420ADE}"/>
+                </a:ext>
+              </a:extLst>
+            </p:cNvPr>
+            <p:cNvSpPr/>
+            <p:nvPr/>
+          </p:nvSpPr>
+          <p:spPr>
+            <a:xfrm rot="16200000">
+              <a:off x="1747471" y="3792579"/>
+              <a:ext cx="589935" cy="934064"/>
+            </a:xfrm>
+            <a:prstGeom prst="rect">
+              <a:avLst/>
+            </a:prstGeom>
+            <a:solidFill>
+              <a:schemeClr val="accent1">
+                <a:lumMod val="60000"/>
+                <a:lumOff val="40000"/>
+              </a:schemeClr>
+            </a:solidFill>
+            <a:ln>
+              <a:noFill/>
+            </a:ln>
+          </p:spPr>
+          <p:style>
+            <a:lnRef idx="2">
+              <a:schemeClr val="accent1">
+                <a:shade val="15000"/>
+              </a:schemeClr>
+            </a:lnRef>
+            <a:fillRef idx="1">
+              <a:schemeClr val="accent1"/>
+            </a:fillRef>
+            <a:effectRef idx="0">
+              <a:schemeClr val="accent1"/>
+            </a:effectRef>
+            <a:fontRef idx="minor">
+              <a:schemeClr val="lt1"/>
+            </a:fontRef>
+          </p:style>
+          <p:txBody>
+            <a:bodyPr rtlCol="0" anchor="ctr"/>
+            <a:lstStyle/>
+            <a:p>
+              <a:pPr algn="ctr"/>
+              <a:endParaRPr kumimoji="1" lang="ja-JP" altLang="en-US"/>
+            </a:p>
+          </p:txBody>
+        </p:sp>
+        <p:sp>
+          <p:nvSpPr>
+            <p:cNvPr id="75" name="正方形/長方形 74">
+              <a:extLst>
+                <a:ext uri="{FF2B5EF4-FFF2-40B4-BE49-F238E27FC236}">
+                  <a16:creationId xmlns:a16="http://schemas.microsoft.com/office/drawing/2014/main" id="{049965E3-2976-AD50-DEFE-91FC81108C80}"/>
+                </a:ext>
+              </a:extLst>
+            </p:cNvPr>
+            <p:cNvSpPr/>
+            <p:nvPr/>
+          </p:nvSpPr>
+          <p:spPr>
+            <a:xfrm>
+              <a:off x="2725780" y="2817455"/>
+              <a:ext cx="589935" cy="934064"/>
+            </a:xfrm>
+            <a:prstGeom prst="rect">
+              <a:avLst/>
+            </a:prstGeom>
+            <a:solidFill>
+              <a:schemeClr val="accent1">
+                <a:lumMod val="60000"/>
+                <a:lumOff val="40000"/>
+              </a:schemeClr>
+            </a:solidFill>
+            <a:ln>
+              <a:noFill/>
+            </a:ln>
+          </p:spPr>
+          <p:style>
+            <a:lnRef idx="2">
+              <a:schemeClr val="accent1">
+                <a:shade val="15000"/>
+              </a:schemeClr>
+            </a:lnRef>
+            <a:fillRef idx="1">
+              <a:schemeClr val="accent1"/>
+            </a:fillRef>
+            <a:effectRef idx="0">
+              <a:schemeClr val="accent1"/>
+            </a:effectRef>
+            <a:fontRef idx="minor">
+              <a:schemeClr val="lt1"/>
+            </a:fontRef>
+          </p:style>
+          <p:txBody>
+            <a:bodyPr rtlCol="0" anchor="ctr"/>
+            <a:lstStyle/>
+            <a:p>
+              <a:pPr algn="ctr"/>
+              <a:endParaRPr kumimoji="1" lang="ja-JP" altLang="en-US"/>
+            </a:p>
+          </p:txBody>
+        </p:sp>
+        <p:sp>
+          <p:nvSpPr>
+            <p:cNvPr id="76" name="楕円 75">
+              <a:extLst>
+                <a:ext uri="{FF2B5EF4-FFF2-40B4-BE49-F238E27FC236}">
+                  <a16:creationId xmlns:a16="http://schemas.microsoft.com/office/drawing/2014/main" id="{82245C1E-79FF-DB69-3564-5BC529DF5A0F}"/>
+                </a:ext>
+              </a:extLst>
+            </p:cNvPr>
+            <p:cNvSpPr/>
+            <p:nvPr/>
+          </p:nvSpPr>
+          <p:spPr>
+            <a:xfrm>
+              <a:off x="2300748" y="3539612"/>
+              <a:ext cx="1440000" cy="1440000"/>
+            </a:xfrm>
+            <a:prstGeom prst="ellipse">
+              <a:avLst/>
+            </a:prstGeom>
+            <a:solidFill>
+              <a:schemeClr val="accent1">
+                <a:lumMod val="40000"/>
+                <a:lumOff val="60000"/>
+              </a:schemeClr>
+            </a:solidFill>
+            <a:ln>
+              <a:noFill/>
+            </a:ln>
+          </p:spPr>
+          <p:style>
+            <a:lnRef idx="2">
+              <a:schemeClr val="accent1">
+                <a:shade val="15000"/>
+              </a:schemeClr>
+            </a:lnRef>
+            <a:fillRef idx="1">
+              <a:schemeClr val="accent1"/>
+            </a:fillRef>
+            <a:effectRef idx="0">
+              <a:schemeClr val="accent1"/>
+            </a:effectRef>
+            <a:fontRef idx="minor">
+              <a:schemeClr val="lt1"/>
+            </a:fontRef>
+          </p:style>
+          <p:txBody>
+            <a:bodyPr rtlCol="0" anchor="ctr"/>
+            <a:lstStyle/>
+            <a:p>
+              <a:pPr algn="ctr"/>
+              <a:endParaRPr kumimoji="1" lang="ja-JP" altLang="en-US"/>
+            </a:p>
+          </p:txBody>
+        </p:sp>
+      </p:grpSp>
+      <p:cxnSp>
+        <p:nvCxnSpPr>
+          <p:cNvPr id="77" name="直線コネクタ 76">
+            <a:extLst>
+              <a:ext uri="{FF2B5EF4-FFF2-40B4-BE49-F238E27FC236}">
+                <a16:creationId xmlns:a16="http://schemas.microsoft.com/office/drawing/2014/main" id="{92B8EDCC-B767-DD27-8BD1-9BEA41576695}"/>
+              </a:ext>
+            </a:extLst>
+          </p:cNvPr>
+          <p:cNvCxnSpPr>
+            <a:cxnSpLocks/>
+          </p:cNvCxnSpPr>
+          <p:nvPr/>
+        </p:nvCxnSpPr>
+        <p:spPr>
+          <a:xfrm flipV="1">
+            <a:off x="7107225" y="2121101"/>
+            <a:ext cx="604174" cy="1224685"/>
+          </a:xfrm>
+          <a:prstGeom prst="line">
+            <a:avLst/>
+          </a:prstGeom>
+        </p:spPr>
+        <p:style>
+          <a:lnRef idx="2">
+            <a:schemeClr val="accent1"/>
+          </a:lnRef>
+          <a:fillRef idx="0">
+            <a:schemeClr val="accent1"/>
+          </a:fillRef>
+          <a:effectRef idx="1">
+            <a:schemeClr val="accent1"/>
+          </a:effectRef>
+          <a:fontRef idx="minor">
+            <a:schemeClr val="tx1"/>
+          </a:fontRef>
+        </p:style>
+      </p:cxnSp>
+      <p:cxnSp>
+        <p:nvCxnSpPr>
+          <p:cNvPr id="78" name="直線コネクタ 77">
+            <a:extLst>
+              <a:ext uri="{FF2B5EF4-FFF2-40B4-BE49-F238E27FC236}">
+                <a16:creationId xmlns:a16="http://schemas.microsoft.com/office/drawing/2014/main" id="{59DA4809-B25B-3918-0215-900E6FA09E0E}"/>
+              </a:ext>
+            </a:extLst>
+          </p:cNvPr>
+          <p:cNvCxnSpPr>
+            <a:cxnSpLocks/>
+          </p:cNvCxnSpPr>
+          <p:nvPr/>
+        </p:nvCxnSpPr>
+        <p:spPr>
+          <a:xfrm>
+            <a:off x="7712916" y="2131921"/>
+            <a:ext cx="1399112" cy="796441"/>
+          </a:xfrm>
+          <a:prstGeom prst="line">
+            <a:avLst/>
+          </a:prstGeom>
+        </p:spPr>
+        <p:style>
+          <a:lnRef idx="2">
+            <a:schemeClr val="accent1"/>
+          </a:lnRef>
+          <a:fillRef idx="0">
+            <a:schemeClr val="accent1"/>
+          </a:fillRef>
+          <a:effectRef idx="1">
+            <a:schemeClr val="accent1"/>
+          </a:effectRef>
+          <a:fontRef idx="minor">
+            <a:schemeClr val="tx1"/>
+          </a:fontRef>
+        </p:style>
+      </p:cxnSp>
+      <p:cxnSp>
+        <p:nvCxnSpPr>
+          <p:cNvPr id="79" name="直線コネクタ 78">
+            <a:extLst>
+              <a:ext uri="{FF2B5EF4-FFF2-40B4-BE49-F238E27FC236}">
+                <a16:creationId xmlns:a16="http://schemas.microsoft.com/office/drawing/2014/main" id="{BF59F171-E092-C6EE-7C56-25018798FDBA}"/>
+              </a:ext>
+            </a:extLst>
+          </p:cNvPr>
+          <p:cNvCxnSpPr>
+            <a:cxnSpLocks/>
+          </p:cNvCxnSpPr>
+          <p:nvPr/>
+        </p:nvCxnSpPr>
+        <p:spPr>
+          <a:xfrm flipV="1">
+            <a:off x="9112028" y="1716781"/>
+            <a:ext cx="2335334" cy="1212943"/>
+          </a:xfrm>
+          <a:prstGeom prst="line">
+            <a:avLst/>
+          </a:prstGeom>
+        </p:spPr>
+        <p:style>
+          <a:lnRef idx="2">
+            <a:schemeClr val="accent1"/>
+          </a:lnRef>
+          <a:fillRef idx="0">
+            <a:schemeClr val="accent1"/>
+          </a:fillRef>
+          <a:effectRef idx="1">
+            <a:schemeClr val="accent1"/>
+          </a:effectRef>
+          <a:fontRef idx="minor">
+            <a:schemeClr val="tx1"/>
+          </a:fontRef>
+        </p:style>
+      </p:cxnSp>
+      <p:cxnSp>
+        <p:nvCxnSpPr>
+          <p:cNvPr id="80" name="直線コネクタ 79">
+            <a:extLst>
+              <a:ext uri="{FF2B5EF4-FFF2-40B4-BE49-F238E27FC236}">
+                <a16:creationId xmlns:a16="http://schemas.microsoft.com/office/drawing/2014/main" id="{8FCD1EAC-0669-FA82-0DB5-49092F87AF2D}"/>
+              </a:ext>
+            </a:extLst>
+          </p:cNvPr>
+          <p:cNvCxnSpPr>
+            <a:cxnSpLocks/>
+          </p:cNvCxnSpPr>
+          <p:nvPr/>
+        </p:nvCxnSpPr>
+        <p:spPr>
+          <a:xfrm>
+            <a:off x="7111096" y="3345031"/>
+            <a:ext cx="581641" cy="876009"/>
+          </a:xfrm>
+          <a:prstGeom prst="line">
+            <a:avLst/>
+          </a:prstGeom>
+        </p:spPr>
+        <p:style>
+          <a:lnRef idx="2">
+            <a:schemeClr val="accent1"/>
+          </a:lnRef>
+          <a:fillRef idx="0">
+            <a:schemeClr val="accent1"/>
+          </a:fillRef>
+          <a:effectRef idx="1">
+            <a:schemeClr val="accent1"/>
+          </a:effectRef>
+          <a:fontRef idx="minor">
+            <a:schemeClr val="tx1"/>
+          </a:fontRef>
+        </p:style>
+      </p:cxnSp>
+      <p:cxnSp>
+        <p:nvCxnSpPr>
+          <p:cNvPr id="81" name="直線コネクタ 80">
+            <a:extLst>
+              <a:ext uri="{FF2B5EF4-FFF2-40B4-BE49-F238E27FC236}">
+                <a16:creationId xmlns:a16="http://schemas.microsoft.com/office/drawing/2014/main" id="{C7FD9889-BF5C-7EB7-67B6-22768300C190}"/>
+              </a:ext>
+            </a:extLst>
+          </p:cNvPr>
+          <p:cNvCxnSpPr>
+            <a:cxnSpLocks/>
+          </p:cNvCxnSpPr>
+          <p:nvPr/>
+        </p:nvCxnSpPr>
+        <p:spPr>
+          <a:xfrm>
+            <a:off x="7676808" y="4218001"/>
+            <a:ext cx="599456" cy="468035"/>
+          </a:xfrm>
+          <a:prstGeom prst="line">
+            <a:avLst/>
+          </a:prstGeom>
+        </p:spPr>
+        <p:style>
+          <a:lnRef idx="2">
+            <a:schemeClr val="accent1"/>
+          </a:lnRef>
+          <a:fillRef idx="0">
+            <a:schemeClr val="accent1"/>
+          </a:fillRef>
+          <a:effectRef idx="1">
+            <a:schemeClr val="accent1"/>
+          </a:effectRef>
+          <a:fontRef idx="minor">
+            <a:schemeClr val="tx1"/>
+          </a:fontRef>
+        </p:style>
+      </p:cxnSp>
+      <p:cxnSp>
+        <p:nvCxnSpPr>
+          <p:cNvPr id="82" name="直線コネクタ 81">
+            <a:extLst>
+              <a:ext uri="{FF2B5EF4-FFF2-40B4-BE49-F238E27FC236}">
+                <a16:creationId xmlns:a16="http://schemas.microsoft.com/office/drawing/2014/main" id="{D743C65B-F502-A2ED-82BC-FF19AAFCF30C}"/>
+              </a:ext>
+            </a:extLst>
+          </p:cNvPr>
+          <p:cNvCxnSpPr>
+            <a:cxnSpLocks/>
+          </p:cNvCxnSpPr>
+          <p:nvPr/>
+        </p:nvCxnSpPr>
+        <p:spPr>
+          <a:xfrm flipH="1">
+            <a:off x="9647421" y="3726359"/>
+            <a:ext cx="1489955" cy="1944128"/>
+          </a:xfrm>
+          <a:prstGeom prst="line">
+            <a:avLst/>
+          </a:prstGeom>
+        </p:spPr>
+        <p:style>
+          <a:lnRef idx="2">
+            <a:schemeClr val="accent1"/>
+          </a:lnRef>
+          <a:fillRef idx="0">
+            <a:schemeClr val="accent1"/>
+          </a:fillRef>
+          <a:effectRef idx="1">
+            <a:schemeClr val="accent1"/>
+          </a:effectRef>
+          <a:fontRef idx="minor">
+            <a:schemeClr val="tx1"/>
+          </a:fontRef>
+        </p:style>
+      </p:cxnSp>
+      <p:cxnSp>
+        <p:nvCxnSpPr>
+          <p:cNvPr id="83" name="直線コネクタ 82">
+            <a:extLst>
+              <a:ext uri="{FF2B5EF4-FFF2-40B4-BE49-F238E27FC236}">
+                <a16:creationId xmlns:a16="http://schemas.microsoft.com/office/drawing/2014/main" id="{A5FA3131-D18F-A5E5-6677-FA9884F62A79}"/>
+              </a:ext>
+            </a:extLst>
+          </p:cNvPr>
+          <p:cNvCxnSpPr>
+            <a:cxnSpLocks/>
+          </p:cNvCxnSpPr>
+          <p:nvPr/>
+        </p:nvCxnSpPr>
+        <p:spPr>
+          <a:xfrm>
+            <a:off x="11451985" y="1710179"/>
+            <a:ext cx="350556" cy="1092621"/>
+          </a:xfrm>
+          <a:prstGeom prst="line">
+            <a:avLst/>
+          </a:prstGeom>
+        </p:spPr>
+        <p:style>
+          <a:lnRef idx="2">
+            <a:schemeClr val="accent1"/>
+          </a:lnRef>
+          <a:fillRef idx="0">
+            <a:schemeClr val="accent1"/>
+          </a:fillRef>
+          <a:effectRef idx="1">
+            <a:schemeClr val="accent1"/>
+          </a:effectRef>
+          <a:fontRef idx="minor">
+            <a:schemeClr val="tx1"/>
+          </a:fontRef>
+        </p:style>
+      </p:cxnSp>
+      <p:grpSp>
+        <p:nvGrpSpPr>
+          <p:cNvPr id="84" name="グループ化 83">
+            <a:extLst>
+              <a:ext uri="{FF2B5EF4-FFF2-40B4-BE49-F238E27FC236}">
+                <a16:creationId xmlns:a16="http://schemas.microsoft.com/office/drawing/2014/main" id="{1A25B644-BD11-1B03-AACF-E1F94FC30674}"/>
+              </a:ext>
+            </a:extLst>
+          </p:cNvPr>
+          <p:cNvGrpSpPr/>
+          <p:nvPr/>
+        </p:nvGrpSpPr>
+        <p:grpSpPr>
+          <a:xfrm>
+            <a:off x="7151853" y="5194083"/>
+            <a:ext cx="1178601" cy="1010292"/>
+            <a:chOff x="5746015" y="4307561"/>
+            <a:chExt cx="1178601" cy="1010292"/>
+          </a:xfrm>
+        </p:grpSpPr>
+        <p:sp>
+          <p:nvSpPr>
+            <p:cNvPr id="85" name="太陽 84">
+              <a:extLst>
+                <a:ext uri="{FF2B5EF4-FFF2-40B4-BE49-F238E27FC236}">
+                  <a16:creationId xmlns:a16="http://schemas.microsoft.com/office/drawing/2014/main" id="{91DF39AC-7553-FA1B-4E69-5E8C69A3ACA5}"/>
+                </a:ext>
+              </a:extLst>
+            </p:cNvPr>
+            <p:cNvSpPr/>
+            <p:nvPr/>
+          </p:nvSpPr>
+          <p:spPr>
+            <a:xfrm>
+              <a:off x="5746015" y="4307561"/>
+              <a:ext cx="1178601" cy="1010292"/>
+            </a:xfrm>
+            <a:prstGeom prst="sun">
+              <a:avLst/>
+            </a:prstGeom>
+            <a:solidFill>
+              <a:schemeClr val="accent1">
+                <a:lumMod val="50000"/>
+              </a:schemeClr>
+            </a:solidFill>
+            <a:ln>
+              <a:noFill/>
+            </a:ln>
+          </p:spPr>
+          <p:style>
+            <a:lnRef idx="2">
+              <a:schemeClr val="accent1">
+                <a:shade val="15000"/>
+              </a:schemeClr>
+            </a:lnRef>
+            <a:fillRef idx="1">
+              <a:schemeClr val="accent1"/>
+            </a:fillRef>
+            <a:effectRef idx="0">
+              <a:schemeClr val="accent1"/>
+            </a:effectRef>
+            <a:fontRef idx="minor">
+              <a:schemeClr val="lt1"/>
+            </a:fontRef>
+          </p:style>
+          <p:txBody>
+            <a:bodyPr rtlCol="0" anchor="ctr"/>
+            <a:lstStyle/>
+            <a:p>
+              <a:pPr algn="ctr"/>
+              <a:endParaRPr kumimoji="1" lang="ja-JP" altLang="en-US"/>
+            </a:p>
+          </p:txBody>
+        </p:sp>
+        <p:sp>
+          <p:nvSpPr>
+            <p:cNvPr id="86" name="円: 塗りつぶしなし 85">
+              <a:extLst>
+                <a:ext uri="{FF2B5EF4-FFF2-40B4-BE49-F238E27FC236}">
+                  <a16:creationId xmlns:a16="http://schemas.microsoft.com/office/drawing/2014/main" id="{BF292CA2-8311-D519-DDAF-02DAA20C10DC}"/>
+                </a:ext>
+              </a:extLst>
+            </p:cNvPr>
+            <p:cNvSpPr/>
+            <p:nvPr/>
+          </p:nvSpPr>
+          <p:spPr>
+            <a:xfrm>
+              <a:off x="5875183" y="4409100"/>
+              <a:ext cx="914400" cy="825620"/>
+            </a:xfrm>
+            <a:prstGeom prst="donut">
+              <a:avLst>
+                <a:gd name="adj" fmla="val 8080"/>
+              </a:avLst>
+            </a:prstGeom>
+            <a:solidFill>
+              <a:schemeClr val="accent1">
+                <a:lumMod val="50000"/>
+              </a:schemeClr>
+            </a:solidFill>
+            <a:ln>
+              <a:noFill/>
+            </a:ln>
+          </p:spPr>
+          <p:style>
+            <a:lnRef idx="2">
+              <a:schemeClr val="accent1">
+                <a:shade val="15000"/>
+              </a:schemeClr>
+            </a:lnRef>
+            <a:fillRef idx="1">
+              <a:schemeClr val="accent1"/>
+            </a:fillRef>
+            <a:effectRef idx="0">
+              <a:schemeClr val="accent1"/>
+            </a:effectRef>
+            <a:fontRef idx="minor">
+              <a:schemeClr val="lt1"/>
+            </a:fontRef>
+          </p:style>
+          <p:txBody>
+            <a:bodyPr rtlCol="0" anchor="ctr"/>
+            <a:lstStyle/>
+            <a:p>
+              <a:pPr algn="ctr"/>
+              <a:endParaRPr kumimoji="1" lang="ja-JP" altLang="en-US">
+                <a:solidFill>
+                  <a:schemeClr val="tx1"/>
+                </a:solidFill>
+              </a:endParaRPr>
+            </a:p>
+          </p:txBody>
+        </p:sp>
+      </p:grpSp>
+      <p:cxnSp>
+        <p:nvCxnSpPr>
+          <p:cNvPr id="91" name="直線コネクタ 90">
+            <a:extLst>
+              <a:ext uri="{FF2B5EF4-FFF2-40B4-BE49-F238E27FC236}">
+                <a16:creationId xmlns:a16="http://schemas.microsoft.com/office/drawing/2014/main" id="{D25D1DFE-BAE1-30EC-9D99-B4EB420E0B5C}"/>
+              </a:ext>
+            </a:extLst>
+          </p:cNvPr>
+          <p:cNvCxnSpPr>
+            <a:cxnSpLocks/>
+          </p:cNvCxnSpPr>
+          <p:nvPr/>
+        </p:nvCxnSpPr>
+        <p:spPr>
+          <a:xfrm flipV="1">
+            <a:off x="8116142" y="5670487"/>
+            <a:ext cx="1522403" cy="602883"/>
+          </a:xfrm>
+          <a:prstGeom prst="line">
+            <a:avLst/>
+          </a:prstGeom>
+        </p:spPr>
+        <p:style>
+          <a:lnRef idx="2">
+            <a:schemeClr val="accent1"/>
+          </a:lnRef>
+          <a:fillRef idx="0">
+            <a:schemeClr val="accent1"/>
+          </a:fillRef>
+          <a:effectRef idx="1">
+            <a:schemeClr val="accent1"/>
+          </a:effectRef>
+          <a:fontRef idx="minor">
+            <a:schemeClr val="tx1"/>
+          </a:fontRef>
+        </p:style>
+      </p:cxnSp>
+      <p:cxnSp>
+        <p:nvCxnSpPr>
+          <p:cNvPr id="92" name="直線コネクタ 91">
+            <a:extLst>
+              <a:ext uri="{FF2B5EF4-FFF2-40B4-BE49-F238E27FC236}">
+                <a16:creationId xmlns:a16="http://schemas.microsoft.com/office/drawing/2014/main" id="{045C7E16-BFEB-6F0B-C788-A426A578825F}"/>
+              </a:ext>
+            </a:extLst>
+          </p:cNvPr>
+          <p:cNvCxnSpPr>
+            <a:cxnSpLocks/>
+          </p:cNvCxnSpPr>
+          <p:nvPr/>
+        </p:nvCxnSpPr>
+        <p:spPr>
+          <a:xfrm flipH="1">
+            <a:off x="7963846" y="4667129"/>
+            <a:ext cx="304592" cy="488128"/>
+          </a:xfrm>
+          <a:prstGeom prst="line">
+            <a:avLst/>
+          </a:prstGeom>
+        </p:spPr>
+        <p:style>
+          <a:lnRef idx="2">
+            <a:schemeClr val="accent1"/>
+          </a:lnRef>
+          <a:fillRef idx="0">
+            <a:schemeClr val="accent1"/>
+          </a:fillRef>
+          <a:effectRef idx="1">
+            <a:schemeClr val="accent1"/>
+          </a:effectRef>
+          <a:fontRef idx="minor">
+            <a:schemeClr val="tx1"/>
+          </a:fontRef>
+        </p:style>
+      </p:cxnSp>
+      <p:grpSp>
+        <p:nvGrpSpPr>
+          <p:cNvPr id="93" name="グループ化 92">
+            <a:extLst>
+              <a:ext uri="{FF2B5EF4-FFF2-40B4-BE49-F238E27FC236}">
+                <a16:creationId xmlns:a16="http://schemas.microsoft.com/office/drawing/2014/main" id="{EF80BB4E-2002-4C17-8771-B7366727084D}"/>
+              </a:ext>
+            </a:extLst>
+          </p:cNvPr>
+          <p:cNvGrpSpPr/>
+          <p:nvPr/>
+        </p:nvGrpSpPr>
+        <p:grpSpPr>
+          <a:xfrm rot="15817319">
+            <a:off x="8695306" y="3269564"/>
+            <a:ext cx="774502" cy="830997"/>
+            <a:chOff x="1575407" y="2817455"/>
+            <a:chExt cx="2890684" cy="2884314"/>
+          </a:xfrm>
+        </p:grpSpPr>
+        <p:sp>
+          <p:nvSpPr>
+            <p:cNvPr id="94" name="正方形/長方形 93">
+              <a:extLst>
+                <a:ext uri="{FF2B5EF4-FFF2-40B4-BE49-F238E27FC236}">
+                  <a16:creationId xmlns:a16="http://schemas.microsoft.com/office/drawing/2014/main" id="{86F162D3-C11A-CD6D-7792-51AB1445BAAD}"/>
+                </a:ext>
+              </a:extLst>
+            </p:cNvPr>
+            <p:cNvSpPr/>
+            <p:nvPr/>
+          </p:nvSpPr>
+          <p:spPr>
+            <a:xfrm>
+              <a:off x="2725780" y="4767705"/>
+              <a:ext cx="589935" cy="934064"/>
+            </a:xfrm>
+            <a:prstGeom prst="rect">
+              <a:avLst/>
+            </a:prstGeom>
+            <a:solidFill>
+              <a:schemeClr val="accent2">
+                <a:lumMod val="60000"/>
+                <a:lumOff val="40000"/>
+              </a:schemeClr>
+            </a:solidFill>
+            <a:ln>
+              <a:noFill/>
+            </a:ln>
+          </p:spPr>
+          <p:style>
+            <a:lnRef idx="2">
+              <a:schemeClr val="accent1">
+                <a:shade val="15000"/>
+              </a:schemeClr>
+            </a:lnRef>
+            <a:fillRef idx="1">
+              <a:schemeClr val="accent1"/>
+            </a:fillRef>
+            <a:effectRef idx="0">
+              <a:schemeClr val="accent1"/>
+            </a:effectRef>
+            <a:fontRef idx="minor">
+              <a:schemeClr val="lt1"/>
+            </a:fontRef>
+          </p:style>
+          <p:txBody>
+            <a:bodyPr rtlCol="0" anchor="ctr"/>
+            <a:lstStyle/>
+            <a:p>
+              <a:pPr algn="ctr"/>
+              <a:endParaRPr kumimoji="1" lang="ja-JP" altLang="en-US"/>
+            </a:p>
+          </p:txBody>
+        </p:sp>
+        <p:sp>
+          <p:nvSpPr>
+            <p:cNvPr id="95" name="正方形/長方形 94">
+              <a:extLst>
+                <a:ext uri="{FF2B5EF4-FFF2-40B4-BE49-F238E27FC236}">
+                  <a16:creationId xmlns:a16="http://schemas.microsoft.com/office/drawing/2014/main" id="{D2F051C1-F691-7AD1-8F60-328C22412B92}"/>
+                </a:ext>
+              </a:extLst>
+            </p:cNvPr>
+            <p:cNvSpPr/>
+            <p:nvPr/>
+          </p:nvSpPr>
+          <p:spPr>
+            <a:xfrm rot="16200000">
+              <a:off x="3704091" y="3792579"/>
+              <a:ext cx="589935" cy="934064"/>
+            </a:xfrm>
+            <a:prstGeom prst="rect">
+              <a:avLst/>
+            </a:prstGeom>
+            <a:solidFill>
+              <a:schemeClr val="accent2">
+                <a:lumMod val="60000"/>
+                <a:lumOff val="40000"/>
+              </a:schemeClr>
+            </a:solidFill>
+            <a:ln>
+              <a:noFill/>
+            </a:ln>
+          </p:spPr>
+          <p:style>
+            <a:lnRef idx="2">
+              <a:schemeClr val="accent1">
+                <a:shade val="15000"/>
+              </a:schemeClr>
+            </a:lnRef>
+            <a:fillRef idx="1">
+              <a:schemeClr val="accent1"/>
+            </a:fillRef>
+            <a:effectRef idx="0">
+              <a:schemeClr val="accent1"/>
+            </a:effectRef>
+            <a:fontRef idx="minor">
+              <a:schemeClr val="lt1"/>
+            </a:fontRef>
+          </p:style>
+          <p:txBody>
+            <a:bodyPr rtlCol="0" anchor="ctr"/>
+            <a:lstStyle/>
+            <a:p>
+              <a:pPr algn="ctr"/>
+              <a:endParaRPr kumimoji="1" lang="ja-JP" altLang="en-US"/>
+            </a:p>
+          </p:txBody>
+        </p:sp>
+        <p:sp>
+          <p:nvSpPr>
+            <p:cNvPr id="96" name="正方形/長方形 95">
+              <a:extLst>
+                <a:ext uri="{FF2B5EF4-FFF2-40B4-BE49-F238E27FC236}">
+                  <a16:creationId xmlns:a16="http://schemas.microsoft.com/office/drawing/2014/main" id="{C931F9E2-DC1E-44DD-33E1-B049E3E2F19C}"/>
+                </a:ext>
+              </a:extLst>
+            </p:cNvPr>
+            <p:cNvSpPr/>
+            <p:nvPr/>
+          </p:nvSpPr>
+          <p:spPr>
+            <a:xfrm rot="16200000">
+              <a:off x="1747471" y="3792579"/>
+              <a:ext cx="589935" cy="934064"/>
+            </a:xfrm>
+            <a:prstGeom prst="rect">
+              <a:avLst/>
+            </a:prstGeom>
+            <a:solidFill>
+              <a:schemeClr val="accent2">
+                <a:lumMod val="60000"/>
+                <a:lumOff val="40000"/>
+              </a:schemeClr>
+            </a:solidFill>
+            <a:ln>
+              <a:noFill/>
+            </a:ln>
+          </p:spPr>
+          <p:style>
+            <a:lnRef idx="2">
+              <a:schemeClr val="accent1">
+                <a:shade val="15000"/>
+              </a:schemeClr>
+            </a:lnRef>
+            <a:fillRef idx="1">
+              <a:schemeClr val="accent1"/>
+            </a:fillRef>
+            <a:effectRef idx="0">
+              <a:schemeClr val="accent1"/>
+            </a:effectRef>
+            <a:fontRef idx="minor">
+              <a:schemeClr val="lt1"/>
+            </a:fontRef>
+          </p:style>
+          <p:txBody>
+            <a:bodyPr rtlCol="0" anchor="ctr"/>
+            <a:lstStyle/>
+            <a:p>
+              <a:pPr algn="ctr"/>
+              <a:endParaRPr kumimoji="1" lang="ja-JP" altLang="en-US"/>
+            </a:p>
+          </p:txBody>
+        </p:sp>
+        <p:sp>
+          <p:nvSpPr>
+            <p:cNvPr id="97" name="正方形/長方形 96">
+              <a:extLst>
+                <a:ext uri="{FF2B5EF4-FFF2-40B4-BE49-F238E27FC236}">
+                  <a16:creationId xmlns:a16="http://schemas.microsoft.com/office/drawing/2014/main" id="{6F7C7AF8-7603-51AD-4F74-B4C354078BED}"/>
+                </a:ext>
+              </a:extLst>
+            </p:cNvPr>
+            <p:cNvSpPr/>
+            <p:nvPr/>
+          </p:nvSpPr>
+          <p:spPr>
+            <a:xfrm>
+              <a:off x="2725780" y="2817455"/>
+              <a:ext cx="589935" cy="934064"/>
+            </a:xfrm>
+            <a:prstGeom prst="rect">
+              <a:avLst/>
+            </a:prstGeom>
+            <a:solidFill>
+              <a:schemeClr val="accent2">
+                <a:lumMod val="60000"/>
+                <a:lumOff val="40000"/>
+              </a:schemeClr>
+            </a:solidFill>
+            <a:ln>
+              <a:noFill/>
+            </a:ln>
+          </p:spPr>
+          <p:style>
+            <a:lnRef idx="2">
+              <a:schemeClr val="accent1">
+                <a:shade val="15000"/>
+              </a:schemeClr>
+            </a:lnRef>
+            <a:fillRef idx="1">
+              <a:schemeClr val="accent1"/>
+            </a:fillRef>
+            <a:effectRef idx="0">
+              <a:schemeClr val="accent1"/>
+            </a:effectRef>
+            <a:fontRef idx="minor">
+              <a:schemeClr val="lt1"/>
+            </a:fontRef>
+          </p:style>
+          <p:txBody>
+            <a:bodyPr rtlCol="0" anchor="ctr"/>
+            <a:lstStyle/>
+            <a:p>
+              <a:pPr algn="ctr"/>
+              <a:endParaRPr kumimoji="1" lang="ja-JP" altLang="en-US"/>
+            </a:p>
+          </p:txBody>
+        </p:sp>
+        <p:sp>
+          <p:nvSpPr>
+            <p:cNvPr id="98" name="楕円 97">
+              <a:extLst>
+                <a:ext uri="{FF2B5EF4-FFF2-40B4-BE49-F238E27FC236}">
+                  <a16:creationId xmlns:a16="http://schemas.microsoft.com/office/drawing/2014/main" id="{6945BE18-9CEA-AFD8-DB93-8F044C14634E}"/>
+                </a:ext>
+              </a:extLst>
+            </p:cNvPr>
+            <p:cNvSpPr/>
+            <p:nvPr/>
+          </p:nvSpPr>
+          <p:spPr>
+            <a:xfrm>
+              <a:off x="2300748" y="3539612"/>
+              <a:ext cx="1440000" cy="1440000"/>
+            </a:xfrm>
+            <a:prstGeom prst="ellipse">
+              <a:avLst/>
+            </a:prstGeom>
+            <a:solidFill>
+              <a:schemeClr val="accent2">
+                <a:lumMod val="20000"/>
+                <a:lumOff val="80000"/>
+              </a:schemeClr>
+            </a:solidFill>
+            <a:ln>
+              <a:noFill/>
+            </a:ln>
+          </p:spPr>
+          <p:style>
+            <a:lnRef idx="2">
+              <a:schemeClr val="accent1">
+                <a:shade val="15000"/>
+              </a:schemeClr>
+            </a:lnRef>
+            <a:fillRef idx="1">
+              <a:schemeClr val="accent1"/>
+            </a:fillRef>
+            <a:effectRef idx="0">
+              <a:schemeClr val="accent1"/>
+            </a:effectRef>
+            <a:fontRef idx="minor">
+              <a:schemeClr val="lt1"/>
+            </a:fontRef>
+          </p:style>
+          <p:txBody>
+            <a:bodyPr rtlCol="0" anchor="ctr"/>
+            <a:lstStyle/>
+            <a:p>
+              <a:pPr algn="ctr"/>
+              <a:endParaRPr kumimoji="1" lang="ja-JP" altLang="en-US"/>
+            </a:p>
+          </p:txBody>
+        </p:sp>
+      </p:grpSp>
+      <p:sp>
+        <p:nvSpPr>
+          <p:cNvPr id="99" name="楕円 98">
+            <a:extLst>
+              <a:ext uri="{FF2B5EF4-FFF2-40B4-BE49-F238E27FC236}">
+                <a16:creationId xmlns:a16="http://schemas.microsoft.com/office/drawing/2014/main" id="{C3809385-B81B-8686-2EB2-05071C8B1991}"/>
+              </a:ext>
+            </a:extLst>
+          </p:cNvPr>
+          <p:cNvSpPr/>
+          <p:nvPr/>
+        </p:nvSpPr>
+        <p:spPr>
+          <a:xfrm rot="8561359">
+            <a:off x="10060054" y="3418996"/>
+            <a:ext cx="216000" cy="216000"/>
+          </a:xfrm>
+          <a:prstGeom prst="ellipse">
+            <a:avLst/>
+          </a:prstGeom>
+          <a:solidFill>
+            <a:schemeClr val="accent2">
+              <a:lumMod val="60000"/>
+              <a:lumOff val="40000"/>
+            </a:schemeClr>
+          </a:solidFill>
+          <a:ln>
+            <a:noFill/>
+          </a:ln>
+        </p:spPr>
+        <p:style>
+          <a:lnRef idx="2">
+            <a:schemeClr val="accent1">
+              <a:shade val="15000"/>
+            </a:schemeClr>
+          </a:lnRef>
+          <a:fillRef idx="1">
+            <a:schemeClr val="accent1"/>
+          </a:fillRef>
+          <a:effectRef idx="0">
+            <a:schemeClr val="accent1"/>
+          </a:effectRef>
+          <a:fontRef idx="minor">
+            <a:schemeClr val="lt1"/>
+          </a:fontRef>
+        </p:style>
+        <p:txBody>
+          <a:bodyPr rtlCol="0" anchor="ctr"/>
+          <a:lstStyle/>
+          <a:p>
+            <a:pPr algn="ctr"/>
+            <a:endParaRPr kumimoji="1" lang="ja-JP" altLang="en-US"/>
+          </a:p>
+        </p:txBody>
+      </p:sp>
+      <p:cxnSp>
+        <p:nvCxnSpPr>
+          <p:cNvPr id="100" name="直線コネクタ 99">
+            <a:extLst>
+              <a:ext uri="{FF2B5EF4-FFF2-40B4-BE49-F238E27FC236}">
+                <a16:creationId xmlns:a16="http://schemas.microsoft.com/office/drawing/2014/main" id="{C1987DCB-C17A-B3FF-3A08-8DFB195C2726}"/>
+              </a:ext>
+            </a:extLst>
+          </p:cNvPr>
+          <p:cNvCxnSpPr>
+            <a:cxnSpLocks/>
+          </p:cNvCxnSpPr>
+          <p:nvPr/>
+        </p:nvCxnSpPr>
+        <p:spPr>
+          <a:xfrm rot="8561359" flipH="1" flipV="1">
+            <a:off x="9547034" y="3467818"/>
+            <a:ext cx="310123" cy="166137"/>
+          </a:xfrm>
+          <a:prstGeom prst="line">
+            <a:avLst/>
+          </a:prstGeom>
+          <a:ln>
+            <a:solidFill>
+              <a:schemeClr val="tx1"/>
+            </a:solidFill>
+          </a:ln>
+        </p:spPr>
+        <p:style>
+          <a:lnRef idx="2">
+            <a:schemeClr val="accent1"/>
+          </a:lnRef>
+          <a:fillRef idx="0">
+            <a:schemeClr val="accent1"/>
+          </a:fillRef>
+          <a:effectRef idx="1">
+            <a:schemeClr val="accent1"/>
+          </a:effectRef>
+          <a:fontRef idx="minor">
+            <a:schemeClr val="tx1"/>
+          </a:fontRef>
+        </p:style>
+      </p:cxnSp>
+      <p:cxnSp>
+        <p:nvCxnSpPr>
+          <p:cNvPr id="101" name="直線コネクタ 100">
+            <a:extLst>
+              <a:ext uri="{FF2B5EF4-FFF2-40B4-BE49-F238E27FC236}">
+                <a16:creationId xmlns:a16="http://schemas.microsoft.com/office/drawing/2014/main" id="{04BE9651-5EDF-5C77-396F-20A0A9C25E61}"/>
+              </a:ext>
+            </a:extLst>
+          </p:cNvPr>
+          <p:cNvCxnSpPr>
+            <a:cxnSpLocks/>
+          </p:cNvCxnSpPr>
+          <p:nvPr/>
+        </p:nvCxnSpPr>
+        <p:spPr>
+          <a:xfrm rot="8561359" flipH="1" flipV="1">
+            <a:off x="9664303" y="3512126"/>
+            <a:ext cx="310123" cy="166137"/>
+          </a:xfrm>
+          <a:prstGeom prst="line">
+            <a:avLst/>
+          </a:prstGeom>
+          <a:ln>
+            <a:solidFill>
+              <a:schemeClr val="tx1"/>
+            </a:solidFill>
+          </a:ln>
+        </p:spPr>
+        <p:style>
+          <a:lnRef idx="2">
+            <a:schemeClr val="accent1"/>
+          </a:lnRef>
+          <a:fillRef idx="0">
+            <a:schemeClr val="accent1"/>
+          </a:fillRef>
+          <a:effectRef idx="1">
+            <a:schemeClr val="accent1"/>
+          </a:effectRef>
+          <a:fontRef idx="minor">
+            <a:schemeClr val="tx1"/>
+          </a:fontRef>
+        </p:style>
+      </p:cxnSp>
+      <p:cxnSp>
+        <p:nvCxnSpPr>
+          <p:cNvPr id="102" name="直線コネクタ 101">
+            <a:extLst>
+              <a:ext uri="{FF2B5EF4-FFF2-40B4-BE49-F238E27FC236}">
+                <a16:creationId xmlns:a16="http://schemas.microsoft.com/office/drawing/2014/main" id="{48862211-8071-F99B-C2CF-9D2125AC95BD}"/>
+              </a:ext>
+            </a:extLst>
+          </p:cNvPr>
+          <p:cNvCxnSpPr>
+            <a:cxnSpLocks/>
+          </p:cNvCxnSpPr>
+          <p:nvPr/>
+        </p:nvCxnSpPr>
+        <p:spPr>
+          <a:xfrm rot="8561359" flipH="1" flipV="1">
+            <a:off x="9577396" y="3603985"/>
+            <a:ext cx="310123" cy="166137"/>
+          </a:xfrm>
+          <a:prstGeom prst="line">
+            <a:avLst/>
+          </a:prstGeom>
+          <a:ln>
+            <a:solidFill>
+              <a:schemeClr val="tx1"/>
+            </a:solidFill>
+          </a:ln>
+        </p:spPr>
+        <p:style>
+          <a:lnRef idx="2">
+            <a:schemeClr val="accent1"/>
+          </a:lnRef>
+          <a:fillRef idx="0">
+            <a:schemeClr val="accent1"/>
+          </a:fillRef>
+          <a:effectRef idx="1">
+            <a:schemeClr val="accent1"/>
+          </a:effectRef>
+          <a:fontRef idx="minor">
+            <a:schemeClr val="tx1"/>
+          </a:fontRef>
+        </p:style>
+      </p:cxnSp>
+      <p:cxnSp>
+        <p:nvCxnSpPr>
+          <p:cNvPr id="107" name="直線コネクタ 106">
+            <a:extLst>
+              <a:ext uri="{FF2B5EF4-FFF2-40B4-BE49-F238E27FC236}">
+                <a16:creationId xmlns:a16="http://schemas.microsoft.com/office/drawing/2014/main" id="{18292561-DC8D-3082-7E48-69B654539E0D}"/>
+              </a:ext>
+            </a:extLst>
+          </p:cNvPr>
+          <p:cNvCxnSpPr>
+            <a:cxnSpLocks/>
+          </p:cNvCxnSpPr>
+          <p:nvPr/>
+        </p:nvCxnSpPr>
+        <p:spPr>
+          <a:xfrm flipV="1">
+            <a:off x="11124316" y="2801847"/>
+            <a:ext cx="675460" cy="942313"/>
+          </a:xfrm>
+          <a:prstGeom prst="line">
+            <a:avLst/>
+          </a:prstGeom>
+        </p:spPr>
+        <p:style>
+          <a:lnRef idx="2">
+            <a:schemeClr val="accent1"/>
+          </a:lnRef>
+          <a:fillRef idx="0">
+            <a:schemeClr val="accent1"/>
+          </a:fillRef>
+          <a:effectRef idx="1">
+            <a:schemeClr val="accent1"/>
+          </a:effectRef>
+          <a:fontRef idx="minor">
+            <a:schemeClr val="tx1"/>
+          </a:fontRef>
+        </p:style>
+      </p:cxnSp>
+      <p:cxnSp>
+        <p:nvCxnSpPr>
+          <p:cNvPr id="114" name="直線コネクタ 113">
+            <a:extLst>
+              <a:ext uri="{FF2B5EF4-FFF2-40B4-BE49-F238E27FC236}">
+                <a16:creationId xmlns:a16="http://schemas.microsoft.com/office/drawing/2014/main" id="{65032E31-F625-41EF-DAFA-D69AC8F76AA1}"/>
+              </a:ext>
+            </a:extLst>
+          </p:cNvPr>
+          <p:cNvCxnSpPr>
+            <a:cxnSpLocks/>
+          </p:cNvCxnSpPr>
+          <p:nvPr/>
+        </p:nvCxnSpPr>
+        <p:spPr>
+          <a:xfrm flipH="1">
+            <a:off x="7056537" y="5146739"/>
+            <a:ext cx="924198" cy="33644"/>
+          </a:xfrm>
+          <a:prstGeom prst="line">
+            <a:avLst/>
+          </a:prstGeom>
+        </p:spPr>
+        <p:style>
+          <a:lnRef idx="2">
+            <a:schemeClr val="accent1"/>
+          </a:lnRef>
+          <a:fillRef idx="0">
+            <a:schemeClr val="accent1"/>
+          </a:fillRef>
+          <a:effectRef idx="1">
+            <a:schemeClr val="accent1"/>
+          </a:effectRef>
+          <a:fontRef idx="minor">
+            <a:schemeClr val="tx1"/>
+          </a:fontRef>
+        </p:style>
+      </p:cxnSp>
+      <p:cxnSp>
+        <p:nvCxnSpPr>
+          <p:cNvPr id="117" name="直線コネクタ 116">
+            <a:extLst>
+              <a:ext uri="{FF2B5EF4-FFF2-40B4-BE49-F238E27FC236}">
+                <a16:creationId xmlns:a16="http://schemas.microsoft.com/office/drawing/2014/main" id="{13C03434-4125-B1C8-D01F-558D1C3D503A}"/>
+              </a:ext>
+            </a:extLst>
+          </p:cNvPr>
+          <p:cNvCxnSpPr>
+            <a:cxnSpLocks/>
+          </p:cNvCxnSpPr>
+          <p:nvPr/>
+        </p:nvCxnSpPr>
+        <p:spPr>
+          <a:xfrm flipV="1">
+            <a:off x="6562845" y="6273370"/>
+            <a:ext cx="1564910" cy="183458"/>
+          </a:xfrm>
+          <a:prstGeom prst="line">
+            <a:avLst/>
+          </a:prstGeom>
+        </p:spPr>
+        <p:style>
+          <a:lnRef idx="2">
+            <a:schemeClr val="accent1"/>
+          </a:lnRef>
+          <a:fillRef idx="0">
+            <a:schemeClr val="accent1"/>
+          </a:fillRef>
+          <a:effectRef idx="1">
+            <a:schemeClr val="accent1"/>
+          </a:effectRef>
+          <a:fontRef idx="minor">
+            <a:schemeClr val="tx1"/>
+          </a:fontRef>
+        </p:style>
+      </p:cxnSp>
+      <p:cxnSp>
+        <p:nvCxnSpPr>
+          <p:cNvPr id="119" name="直線コネクタ 118">
+            <a:extLst>
+              <a:ext uri="{FF2B5EF4-FFF2-40B4-BE49-F238E27FC236}">
+                <a16:creationId xmlns:a16="http://schemas.microsoft.com/office/drawing/2014/main" id="{925BC035-4CAA-6458-C858-9AB84037C2F0}"/>
+              </a:ext>
+            </a:extLst>
+          </p:cNvPr>
+          <p:cNvCxnSpPr>
+            <a:cxnSpLocks/>
+          </p:cNvCxnSpPr>
+          <p:nvPr/>
+        </p:nvCxnSpPr>
+        <p:spPr>
+          <a:xfrm flipV="1">
+            <a:off x="6573288" y="5180383"/>
+            <a:ext cx="483249" cy="1289279"/>
+          </a:xfrm>
+          <a:prstGeom prst="line">
+            <a:avLst/>
+          </a:prstGeom>
+        </p:spPr>
+        <p:style>
+          <a:lnRef idx="2">
+            <a:schemeClr val="accent1"/>
+          </a:lnRef>
+          <a:fillRef idx="0">
+            <a:schemeClr val="accent1"/>
+          </a:fillRef>
+          <a:effectRef idx="1">
+            <a:schemeClr val="accent1"/>
+          </a:effectRef>
+          <a:fontRef idx="minor">
+            <a:schemeClr val="tx1"/>
+          </a:fontRef>
+        </p:style>
+      </p:cxnSp>
+      <p:grpSp>
+        <p:nvGrpSpPr>
+          <p:cNvPr id="156" name="グループ化 155">
+            <a:extLst>
+              <a:ext uri="{FF2B5EF4-FFF2-40B4-BE49-F238E27FC236}">
+                <a16:creationId xmlns:a16="http://schemas.microsoft.com/office/drawing/2014/main" id="{79EF59AA-0D7E-87A5-2AEE-457C032DB351}"/>
+              </a:ext>
+            </a:extLst>
+          </p:cNvPr>
+          <p:cNvGrpSpPr/>
+          <p:nvPr/>
+        </p:nvGrpSpPr>
+        <p:grpSpPr>
+          <a:xfrm rot="1366511">
+            <a:off x="8842834" y="3066132"/>
+            <a:ext cx="740157" cy="700281"/>
+            <a:chOff x="8792682" y="3060698"/>
+            <a:chExt cx="740157" cy="700281"/>
+          </a:xfrm>
+        </p:grpSpPr>
+        <p:sp>
+          <p:nvSpPr>
+            <p:cNvPr id="140" name="アーチ 139">
+              <a:extLst>
+                <a:ext uri="{FF2B5EF4-FFF2-40B4-BE49-F238E27FC236}">
+                  <a16:creationId xmlns:a16="http://schemas.microsoft.com/office/drawing/2014/main" id="{E0D27461-0064-B130-557F-A0D90DB26BD9}"/>
+                </a:ext>
+              </a:extLst>
+            </p:cNvPr>
+            <p:cNvSpPr/>
+            <p:nvPr/>
+          </p:nvSpPr>
+          <p:spPr>
+            <a:xfrm rot="883644">
+              <a:off x="8792682" y="3145764"/>
+              <a:ext cx="740157" cy="615215"/>
+            </a:xfrm>
+            <a:prstGeom prst="blockArc">
+              <a:avLst>
+                <a:gd name="adj1" fmla="val 14146155"/>
+                <a:gd name="adj2" fmla="val 19873659"/>
+                <a:gd name="adj3" fmla="val 9679"/>
+              </a:avLst>
+            </a:prstGeom>
+            <a:solidFill>
+              <a:srgbClr val="FF0000"/>
+            </a:solidFill>
+            <a:ln>
+              <a:noFill/>
+            </a:ln>
+          </p:spPr>
+          <p:style>
+            <a:lnRef idx="2">
+              <a:schemeClr val="accent1">
+                <a:shade val="15000"/>
+              </a:schemeClr>
+            </a:lnRef>
+            <a:fillRef idx="1">
+              <a:schemeClr val="accent1"/>
+            </a:fillRef>
+            <a:effectRef idx="0">
+              <a:schemeClr val="accent1"/>
+            </a:effectRef>
+            <a:fontRef idx="minor">
+              <a:schemeClr val="lt1"/>
+            </a:fontRef>
+          </p:style>
+          <p:txBody>
+            <a:bodyPr rtlCol="0" anchor="ctr"/>
+            <a:lstStyle/>
+            <a:p>
+              <a:pPr algn="ctr"/>
+              <a:endParaRPr kumimoji="1" lang="ja-JP" altLang="en-US">
+                <a:solidFill>
+                  <a:schemeClr val="tx1"/>
+                </a:solidFill>
+              </a:endParaRPr>
+            </a:p>
+          </p:txBody>
+        </p:sp>
+        <p:cxnSp>
+          <p:nvCxnSpPr>
+            <p:cNvPr id="141" name="直線コネクタ 140">
+              <a:extLst>
+                <a:ext uri="{FF2B5EF4-FFF2-40B4-BE49-F238E27FC236}">
+                  <a16:creationId xmlns:a16="http://schemas.microsoft.com/office/drawing/2014/main" id="{CBD66FEE-C21A-5EA7-6E30-4C1DA0895CDE}"/>
+                </a:ext>
+              </a:extLst>
+            </p:cNvPr>
+            <p:cNvCxnSpPr>
+              <a:cxnSpLocks/>
+            </p:cNvCxnSpPr>
+            <p:nvPr/>
+          </p:nvCxnSpPr>
+          <p:spPr>
+            <a:xfrm rot="105670" flipV="1">
+              <a:off x="9169777" y="3060698"/>
+              <a:ext cx="35562" cy="217401"/>
+            </a:xfrm>
+            <a:prstGeom prst="line">
+              <a:avLst/>
+            </a:prstGeom>
+            <a:ln w="38100">
+              <a:solidFill>
+                <a:srgbClr val="FF0000"/>
+              </a:solidFill>
+            </a:ln>
+          </p:spPr>
+          <p:style>
+            <a:lnRef idx="2">
+              <a:schemeClr val="accent1"/>
+            </a:lnRef>
+            <a:fillRef idx="0">
+              <a:schemeClr val="accent1"/>
+            </a:fillRef>
+            <a:effectRef idx="1">
+              <a:schemeClr val="accent1"/>
+            </a:effectRef>
+            <a:fontRef idx="minor">
+              <a:schemeClr val="tx1"/>
+            </a:fontRef>
+          </p:style>
+        </p:cxnSp>
+        <p:cxnSp>
+          <p:nvCxnSpPr>
+            <p:cNvPr id="146" name="直線コネクタ 145">
+              <a:extLst>
+                <a:ext uri="{FF2B5EF4-FFF2-40B4-BE49-F238E27FC236}">
+                  <a16:creationId xmlns:a16="http://schemas.microsoft.com/office/drawing/2014/main" id="{9E114034-B932-F5C9-166D-91FA8A15E255}"/>
+                </a:ext>
+              </a:extLst>
+            </p:cNvPr>
+            <p:cNvCxnSpPr>
+              <a:cxnSpLocks/>
+            </p:cNvCxnSpPr>
+            <p:nvPr/>
+          </p:nvCxnSpPr>
+          <p:spPr>
+            <a:xfrm rot="105670" flipV="1">
+              <a:off x="9282280" y="3110228"/>
+              <a:ext cx="102735" cy="191530"/>
+            </a:xfrm>
+            <a:prstGeom prst="line">
+              <a:avLst/>
+            </a:prstGeom>
+            <a:ln w="38100">
+              <a:solidFill>
+                <a:srgbClr val="FF0000"/>
+              </a:solidFill>
+            </a:ln>
+          </p:spPr>
+          <p:style>
+            <a:lnRef idx="2">
+              <a:schemeClr val="accent1"/>
+            </a:lnRef>
+            <a:fillRef idx="0">
+              <a:schemeClr val="accent1"/>
+            </a:fillRef>
+            <a:effectRef idx="1">
+              <a:schemeClr val="accent1"/>
+            </a:effectRef>
+            <a:fontRef idx="minor">
+              <a:schemeClr val="tx1"/>
+            </a:fontRef>
+          </p:style>
+        </p:cxnSp>
+        <p:cxnSp>
+          <p:nvCxnSpPr>
+            <p:cNvPr id="148" name="直線コネクタ 147">
+              <a:extLst>
+                <a:ext uri="{FF2B5EF4-FFF2-40B4-BE49-F238E27FC236}">
+                  <a16:creationId xmlns:a16="http://schemas.microsoft.com/office/drawing/2014/main" id="{EFC6CBC4-AB7E-2D41-2907-C11A7653C07E}"/>
+                </a:ext>
+              </a:extLst>
+            </p:cNvPr>
+            <p:cNvCxnSpPr>
+              <a:cxnSpLocks/>
+            </p:cNvCxnSpPr>
+            <p:nvPr/>
+          </p:nvCxnSpPr>
+          <p:spPr>
+            <a:xfrm rot="105670" flipV="1">
+              <a:off x="9358479" y="3227413"/>
+              <a:ext cx="157423" cy="129827"/>
+            </a:xfrm>
+            <a:prstGeom prst="line">
+              <a:avLst/>
+            </a:prstGeom>
+            <a:ln w="38100">
+              <a:solidFill>
+                <a:srgbClr val="FF0000"/>
+              </a:solidFill>
+            </a:ln>
+          </p:spPr>
+          <p:style>
+            <a:lnRef idx="2">
+              <a:schemeClr val="accent1"/>
+            </a:lnRef>
+            <a:fillRef idx="0">
+              <a:schemeClr val="accent1"/>
+            </a:fillRef>
+            <a:effectRef idx="1">
+              <a:schemeClr val="accent1"/>
+            </a:effectRef>
+            <a:fontRef idx="minor">
+              <a:schemeClr val="tx1"/>
+            </a:fontRef>
+          </p:style>
+        </p:cxnSp>
+      </p:grpSp>
+      <p:cxnSp>
+        <p:nvCxnSpPr>
+          <p:cNvPr id="157" name="直線コネクタ 156">
+            <a:extLst>
+              <a:ext uri="{FF2B5EF4-FFF2-40B4-BE49-F238E27FC236}">
+                <a16:creationId xmlns:a16="http://schemas.microsoft.com/office/drawing/2014/main" id="{0081E228-472A-E648-25CC-1CE51D7B4A01}"/>
+              </a:ext>
+            </a:extLst>
+          </p:cNvPr>
+          <p:cNvCxnSpPr>
+            <a:cxnSpLocks/>
+          </p:cNvCxnSpPr>
+          <p:nvPr/>
+        </p:nvCxnSpPr>
+        <p:spPr>
+          <a:xfrm rot="17987649">
+            <a:off x="8510763" y="4549790"/>
+            <a:ext cx="641489" cy="0"/>
+          </a:xfrm>
+          <a:prstGeom prst="line">
+            <a:avLst/>
+          </a:prstGeom>
+          <a:ln>
+            <a:solidFill>
+              <a:schemeClr val="tx1"/>
+            </a:solidFill>
+          </a:ln>
+        </p:spPr>
+        <p:style>
+          <a:lnRef idx="2">
+            <a:schemeClr val="accent1"/>
+          </a:lnRef>
+          <a:fillRef idx="0">
+            <a:schemeClr val="accent1"/>
+          </a:fillRef>
+          <a:effectRef idx="1">
+            <a:schemeClr val="accent1"/>
+          </a:effectRef>
+          <a:fontRef idx="minor">
+            <a:schemeClr val="tx1"/>
+          </a:fontRef>
+        </p:style>
+      </p:cxnSp>
+      <p:cxnSp>
+        <p:nvCxnSpPr>
+          <p:cNvPr id="158" name="直線コネクタ 157">
+            <a:extLst>
+              <a:ext uri="{FF2B5EF4-FFF2-40B4-BE49-F238E27FC236}">
+                <a16:creationId xmlns:a16="http://schemas.microsoft.com/office/drawing/2014/main" id="{CB57F2DE-E993-2BDC-E9A4-8DFFA21EA3F3}"/>
+              </a:ext>
+            </a:extLst>
+          </p:cNvPr>
+          <p:cNvCxnSpPr>
+            <a:cxnSpLocks/>
+          </p:cNvCxnSpPr>
+          <p:nvPr/>
+        </p:nvCxnSpPr>
+        <p:spPr>
+          <a:xfrm rot="17987649">
+            <a:off x="8658448" y="4674252"/>
+            <a:ext cx="503837" cy="0"/>
+          </a:xfrm>
+          <a:prstGeom prst="line">
+            <a:avLst/>
+          </a:prstGeom>
+          <a:ln>
+            <a:solidFill>
+              <a:schemeClr val="tx1"/>
+            </a:solidFill>
+          </a:ln>
+        </p:spPr>
+        <p:style>
+          <a:lnRef idx="2">
+            <a:schemeClr val="accent1"/>
+          </a:lnRef>
+          <a:fillRef idx="0">
+            <a:schemeClr val="accent1"/>
+          </a:fillRef>
+          <a:effectRef idx="1">
+            <a:schemeClr val="accent1"/>
+          </a:effectRef>
+          <a:fontRef idx="minor">
+            <a:schemeClr val="tx1"/>
+          </a:fontRef>
+        </p:style>
+      </p:cxnSp>
+      <p:cxnSp>
+        <p:nvCxnSpPr>
+          <p:cNvPr id="159" name="直線コネクタ 158">
+            <a:extLst>
+              <a:ext uri="{FF2B5EF4-FFF2-40B4-BE49-F238E27FC236}">
+                <a16:creationId xmlns:a16="http://schemas.microsoft.com/office/drawing/2014/main" id="{3DDB6CBC-B073-1B83-F9C3-6483F8E4498B}"/>
+              </a:ext>
+            </a:extLst>
+          </p:cNvPr>
+          <p:cNvCxnSpPr>
+            <a:cxnSpLocks/>
+          </p:cNvCxnSpPr>
+          <p:nvPr/>
+        </p:nvCxnSpPr>
+        <p:spPr>
+          <a:xfrm rot="17987649">
+            <a:off x="8852976" y="4661003"/>
+            <a:ext cx="503837" cy="0"/>
+          </a:xfrm>
+          <a:prstGeom prst="line">
+            <a:avLst/>
+          </a:prstGeom>
+          <a:ln>
+            <a:solidFill>
+              <a:schemeClr val="tx1"/>
+            </a:solidFill>
+          </a:ln>
+        </p:spPr>
+        <p:style>
+          <a:lnRef idx="2">
+            <a:schemeClr val="accent1"/>
+          </a:lnRef>
+          <a:fillRef idx="0">
+            <a:schemeClr val="accent1"/>
+          </a:fillRef>
+          <a:effectRef idx="1">
+            <a:schemeClr val="accent1"/>
+          </a:effectRef>
+          <a:fontRef idx="minor">
+            <a:schemeClr val="tx1"/>
+          </a:fontRef>
+        </p:style>
+      </p:cxnSp>
+      <p:cxnSp>
+        <p:nvCxnSpPr>
+          <p:cNvPr id="160" name="直線コネクタ 159">
+            <a:extLst>
+              <a:ext uri="{FF2B5EF4-FFF2-40B4-BE49-F238E27FC236}">
+                <a16:creationId xmlns:a16="http://schemas.microsoft.com/office/drawing/2014/main" id="{B452CE46-B562-BF92-3556-89392765D2AC}"/>
+              </a:ext>
+            </a:extLst>
+          </p:cNvPr>
+          <p:cNvCxnSpPr>
+            <a:cxnSpLocks/>
+          </p:cNvCxnSpPr>
+          <p:nvPr/>
+        </p:nvCxnSpPr>
+        <p:spPr>
+          <a:xfrm rot="17987649">
+            <a:off x="8892273" y="4776782"/>
+            <a:ext cx="611992" cy="0"/>
+          </a:xfrm>
+          <a:prstGeom prst="line">
+            <a:avLst/>
+          </a:prstGeom>
+          <a:ln>
+            <a:solidFill>
+              <a:schemeClr val="tx1"/>
+            </a:solidFill>
+          </a:ln>
+        </p:spPr>
+        <p:style>
+          <a:lnRef idx="2">
+            <a:schemeClr val="accent1"/>
+          </a:lnRef>
+          <a:fillRef idx="0">
+            <a:schemeClr val="accent1"/>
+          </a:fillRef>
+          <a:effectRef idx="1">
+            <a:schemeClr val="accent1"/>
+          </a:effectRef>
+          <a:fontRef idx="minor">
+            <a:schemeClr val="tx1"/>
+          </a:fontRef>
+        </p:style>
+      </p:cxnSp>
+      <p:cxnSp>
+        <p:nvCxnSpPr>
+          <p:cNvPr id="161" name="直線コネクタ 160">
+            <a:extLst>
+              <a:ext uri="{FF2B5EF4-FFF2-40B4-BE49-F238E27FC236}">
+                <a16:creationId xmlns:a16="http://schemas.microsoft.com/office/drawing/2014/main" id="{4E598E8D-C3BA-68E0-D064-1760CED81F68}"/>
+              </a:ext>
+            </a:extLst>
+          </p:cNvPr>
+          <p:cNvCxnSpPr>
+            <a:cxnSpLocks/>
+          </p:cNvCxnSpPr>
+          <p:nvPr/>
+        </p:nvCxnSpPr>
+        <p:spPr>
+          <a:xfrm rot="17987649">
+            <a:off x="8967257" y="4811164"/>
+            <a:ext cx="641489" cy="0"/>
+          </a:xfrm>
+          <a:prstGeom prst="line">
+            <a:avLst/>
+          </a:prstGeom>
+          <a:ln>
+            <a:solidFill>
+              <a:schemeClr val="tx1"/>
+            </a:solidFill>
+          </a:ln>
+        </p:spPr>
+        <p:style>
+          <a:lnRef idx="2">
+            <a:schemeClr val="accent1"/>
+          </a:lnRef>
+          <a:fillRef idx="0">
+            <a:schemeClr val="accent1"/>
+          </a:fillRef>
+          <a:effectRef idx="1">
+            <a:schemeClr val="accent1"/>
+          </a:effectRef>
+          <a:fontRef idx="minor">
+            <a:schemeClr val="tx1"/>
+          </a:fontRef>
+        </p:style>
+      </p:cxnSp>
+      <p:sp>
+        <p:nvSpPr>
+          <p:cNvPr id="166" name="テキスト ボックス 165">
+            <a:extLst>
+              <a:ext uri="{FF2B5EF4-FFF2-40B4-BE49-F238E27FC236}">
+                <a16:creationId xmlns:a16="http://schemas.microsoft.com/office/drawing/2014/main" id="{8F4E2BF3-73EC-FB21-045D-E9CD33572F8D}"/>
+              </a:ext>
+            </a:extLst>
+          </p:cNvPr>
+          <p:cNvSpPr txBox="1"/>
+          <p:nvPr/>
+        </p:nvSpPr>
+        <p:spPr>
+          <a:xfrm rot="377559">
+            <a:off x="1347631" y="5215658"/>
+            <a:ext cx="3392275" cy="646331"/>
+          </a:xfrm>
+          <a:prstGeom prst="rect">
+            <a:avLst/>
+          </a:prstGeom>
+          <a:noFill/>
+        </p:spPr>
+        <p:txBody>
+          <a:bodyPr wrap="none" rtlCol="0">
+            <a:spAutoFit/>
+          </a:bodyPr>
+          <a:lstStyle/>
+          <a:p>
+            <a:r>
+              <a:rPr kumimoji="1" lang="ja-JP" altLang="en-US" sz="3600" dirty="0">
+                <a:latin typeface="GN-キルゴUかなO" panose="02000600000000000000" pitchFamily="2" charset="-128"/>
+                <a:ea typeface="GN-キルゴUかなO" panose="02000600000000000000" pitchFamily="2" charset="-128"/>
+              </a:rPr>
+              <a:t>戦いの場は常に</a:t>
+            </a:r>
+          </a:p>
+        </p:txBody>
+      </p:sp>
+      <p:sp>
+        <p:nvSpPr>
+          <p:cNvPr id="167" name="テキスト ボックス 166">
+            <a:extLst>
+              <a:ext uri="{FF2B5EF4-FFF2-40B4-BE49-F238E27FC236}">
+                <a16:creationId xmlns:a16="http://schemas.microsoft.com/office/drawing/2014/main" id="{F5CA658A-A192-DE74-D7F5-BF68048F4ABE}"/>
+              </a:ext>
+            </a:extLst>
+          </p:cNvPr>
+          <p:cNvSpPr txBox="1"/>
+          <p:nvPr/>
+        </p:nvSpPr>
+        <p:spPr>
+          <a:xfrm rot="21340062">
+            <a:off x="4599932" y="5316054"/>
+            <a:ext cx="2464136" cy="646331"/>
+          </a:xfrm>
+          <a:prstGeom prst="rect">
+            <a:avLst/>
+          </a:prstGeom>
+          <a:noFill/>
+        </p:spPr>
+        <p:txBody>
+          <a:bodyPr wrap="none" rtlCol="0">
+            <a:spAutoFit/>
+          </a:bodyPr>
+          <a:lstStyle/>
+          <a:p>
+            <a:r>
+              <a:rPr kumimoji="1" lang="ja-JP" altLang="en-US" sz="3600" dirty="0">
+                <a:solidFill>
+                  <a:srgbClr val="FF0000"/>
+                </a:solidFill>
+                <a:latin typeface="GN-キルゴUかなO" panose="02000600000000000000" pitchFamily="2" charset="-128"/>
+                <a:ea typeface="GN-キルゴUかなO" panose="02000600000000000000" pitchFamily="2" charset="-128"/>
+              </a:rPr>
+              <a:t>変化する</a:t>
+            </a:r>
+            <a:r>
+              <a:rPr kumimoji="1" lang="en-US" altLang="ja-JP" sz="3600" dirty="0">
+                <a:solidFill>
+                  <a:srgbClr val="FF0000"/>
+                </a:solidFill>
+                <a:latin typeface="GN-キルゴUかなO" panose="02000600000000000000" pitchFamily="2" charset="-128"/>
+                <a:ea typeface="GN-キルゴUかなO" panose="02000600000000000000" pitchFamily="2" charset="-128"/>
+              </a:rPr>
+              <a:t>!!</a:t>
+            </a:r>
+            <a:endParaRPr kumimoji="1" lang="ja-JP" altLang="en-US" sz="3600" dirty="0">
+              <a:solidFill>
+                <a:srgbClr val="FF0000"/>
+              </a:solidFill>
+              <a:latin typeface="GN-キルゴUかなO" panose="02000600000000000000" pitchFamily="2" charset="-128"/>
+              <a:ea typeface="GN-キルゴUかなO" panose="02000600000000000000" pitchFamily="2" charset="-128"/>
+            </a:endParaRPr>
+          </a:p>
+        </p:txBody>
+      </p:sp>
+    </p:spTree>
+    <p:extLst>
+      <p:ext uri="{BB962C8B-B14F-4D97-AF65-F5344CB8AC3E}">
+        <p14:creationId xmlns:p14="http://schemas.microsoft.com/office/powerpoint/2010/main" val="58505790"/>
+      </p:ext>
+    </p:extLst>
+  </p:cSld>
+  <p:clrMapOvr>
+    <a:masterClrMapping/>
+  </p:clrMapOvr>
+</p:sld>
+</file>
+
 <file path=ppt/theme/theme1.xml><?xml version="1.0" encoding="utf-8"?>
 <a:theme xmlns:a="http://schemas.openxmlformats.org/drawingml/2006/main" name="Office テーマ">
   <a:themeElements>

--- a/02_資料/アストロロボSASA/AstroRobot.pptx
+++ b/02_資料/アストロロボSASA/AstroRobot.pptx
@@ -261,7 +261,7 @@
           <a:p>
             <a:fld id="{E90E33EA-CB07-41E3-94E2-B1469D8F7F66}" type="datetimeFigureOut">
               <a:rPr kumimoji="1" lang="ja-JP" altLang="en-US" smtClean="0"/>
-              <a:t>2024/10/2</a:t>
+              <a:t>2024/10/3</a:t>
             </a:fld>
             <a:endParaRPr kumimoji="1" lang="ja-JP" altLang="en-US"/>
           </a:p>
@@ -491,7 +491,7 @@
           <a:p>
             <a:fld id="{E90E33EA-CB07-41E3-94E2-B1469D8F7F66}" type="datetimeFigureOut">
               <a:rPr kumimoji="1" lang="ja-JP" altLang="en-US" smtClean="0"/>
-              <a:t>2024/10/2</a:t>
+              <a:t>2024/10/3</a:t>
             </a:fld>
             <a:endParaRPr kumimoji="1" lang="ja-JP" altLang="en-US"/>
           </a:p>
@@ -731,7 +731,7 @@
           <a:p>
             <a:fld id="{E90E33EA-CB07-41E3-94E2-B1469D8F7F66}" type="datetimeFigureOut">
               <a:rPr kumimoji="1" lang="ja-JP" altLang="en-US" smtClean="0"/>
-              <a:t>2024/10/2</a:t>
+              <a:t>2024/10/3</a:t>
             </a:fld>
             <a:endParaRPr kumimoji="1" lang="ja-JP" altLang="en-US"/>
           </a:p>
@@ -961,7 +961,7 @@
           <a:p>
             <a:fld id="{E90E33EA-CB07-41E3-94E2-B1469D8F7F66}" type="datetimeFigureOut">
               <a:rPr kumimoji="1" lang="ja-JP" altLang="en-US" smtClean="0"/>
-              <a:t>2024/10/2</a:t>
+              <a:t>2024/10/3</a:t>
             </a:fld>
             <a:endParaRPr kumimoji="1" lang="ja-JP" altLang="en-US"/>
           </a:p>
@@ -1236,7 +1236,7 @@
           <a:p>
             <a:fld id="{E90E33EA-CB07-41E3-94E2-B1469D8F7F66}" type="datetimeFigureOut">
               <a:rPr kumimoji="1" lang="ja-JP" altLang="en-US" smtClean="0"/>
-              <a:t>2024/10/2</a:t>
+              <a:t>2024/10/3</a:t>
             </a:fld>
             <a:endParaRPr kumimoji="1" lang="ja-JP" altLang="en-US"/>
           </a:p>
@@ -1565,7 +1565,7 @@
           <a:p>
             <a:fld id="{E90E33EA-CB07-41E3-94E2-B1469D8F7F66}" type="datetimeFigureOut">
               <a:rPr kumimoji="1" lang="ja-JP" altLang="en-US" smtClean="0"/>
-              <a:t>2024/10/2</a:t>
+              <a:t>2024/10/3</a:t>
             </a:fld>
             <a:endParaRPr kumimoji="1" lang="ja-JP" altLang="en-US"/>
           </a:p>
@@ -2041,7 +2041,7 @@
           <a:p>
             <a:fld id="{E90E33EA-CB07-41E3-94E2-B1469D8F7F66}" type="datetimeFigureOut">
               <a:rPr kumimoji="1" lang="ja-JP" altLang="en-US" smtClean="0"/>
-              <a:t>2024/10/2</a:t>
+              <a:t>2024/10/3</a:t>
             </a:fld>
             <a:endParaRPr kumimoji="1" lang="ja-JP" altLang="en-US"/>
           </a:p>
@@ -2182,7 +2182,7 @@
           <a:p>
             <a:fld id="{E90E33EA-CB07-41E3-94E2-B1469D8F7F66}" type="datetimeFigureOut">
               <a:rPr kumimoji="1" lang="ja-JP" altLang="en-US" smtClean="0"/>
-              <a:t>2024/10/2</a:t>
+              <a:t>2024/10/3</a:t>
             </a:fld>
             <a:endParaRPr kumimoji="1" lang="ja-JP" altLang="en-US"/>
           </a:p>
@@ -2295,7 +2295,7 @@
           <a:p>
             <a:fld id="{E90E33EA-CB07-41E3-94E2-B1469D8F7F66}" type="datetimeFigureOut">
               <a:rPr kumimoji="1" lang="ja-JP" altLang="en-US" smtClean="0"/>
-              <a:t>2024/10/2</a:t>
+              <a:t>2024/10/3</a:t>
             </a:fld>
             <a:endParaRPr kumimoji="1" lang="ja-JP" altLang="en-US"/>
           </a:p>
@@ -2638,7 +2638,7 @@
           <a:p>
             <a:fld id="{E90E33EA-CB07-41E3-94E2-B1469D8F7F66}" type="datetimeFigureOut">
               <a:rPr kumimoji="1" lang="ja-JP" altLang="en-US" smtClean="0"/>
-              <a:t>2024/10/2</a:t>
+              <a:t>2024/10/3</a:t>
             </a:fld>
             <a:endParaRPr kumimoji="1" lang="ja-JP" altLang="en-US"/>
           </a:p>
@@ -2926,7 +2926,7 @@
           <a:p>
             <a:fld id="{E90E33EA-CB07-41E3-94E2-B1469D8F7F66}" type="datetimeFigureOut">
               <a:rPr kumimoji="1" lang="ja-JP" altLang="en-US" smtClean="0"/>
-              <a:t>2024/10/2</a:t>
+              <a:t>2024/10/3</a:t>
             </a:fld>
             <a:endParaRPr kumimoji="1" lang="ja-JP" altLang="en-US"/>
           </a:p>
@@ -3199,7 +3199,7 @@
           <a:p>
             <a:fld id="{E90E33EA-CB07-41E3-94E2-B1469D8F7F66}" type="datetimeFigureOut">
               <a:rPr kumimoji="1" lang="ja-JP" altLang="en-US" smtClean="0"/>
-              <a:t>2024/10/2</a:t>
+              <a:t>2024/10/3</a:t>
             </a:fld>
             <a:endParaRPr kumimoji="1" lang="ja-JP" altLang="en-US"/>
           </a:p>
@@ -7665,8 +7665,8 @@
         </p:nvCxnSpPr>
         <p:spPr>
           <a:xfrm flipV="1">
-            <a:off x="3947774" y="1296365"/>
-            <a:ext cx="3731068" cy="5773822"/>
+            <a:off x="4075859" y="1296365"/>
+            <a:ext cx="3602983" cy="5526538"/>
           </a:xfrm>
           <a:prstGeom prst="line">
             <a:avLst/>
